--- a/FIL_ROUGE/power point/fil rouge.pptx
+++ b/FIL_ROUGE/power point/fil rouge.pptx
@@ -5,10 +5,10 @@
     <p:sldMasterId id="2147483648" r:id="rId1"/>
   </p:sldMasterIdLst>
   <p:notesMasterIdLst>
-    <p:notesMasterId r:id="rId25"/>
+    <p:notesMasterId r:id="rId26"/>
   </p:notesMasterIdLst>
   <p:handoutMasterIdLst>
-    <p:handoutMasterId r:id="rId26"/>
+    <p:handoutMasterId r:id="rId27"/>
   </p:handoutMasterIdLst>
   <p:sldIdLst>
     <p:sldId id="256" r:id="rId2"/>
@@ -31,9 +31,10 @@
     <p:sldId id="285" r:id="rId19"/>
     <p:sldId id="310" r:id="rId20"/>
     <p:sldId id="312" r:id="rId21"/>
-    <p:sldId id="303" r:id="rId22"/>
-    <p:sldId id="304" r:id="rId23"/>
-    <p:sldId id="313" r:id="rId24"/>
+    <p:sldId id="314" r:id="rId22"/>
+    <p:sldId id="303" r:id="rId23"/>
+    <p:sldId id="304" r:id="rId24"/>
+    <p:sldId id="313" r:id="rId25"/>
   </p:sldIdLst>
   <p:sldSz cx="12192000" cy="6858000"/>
   <p:notesSz cx="6858000" cy="9144000"/>
@@ -1455,9 +1456,24 @@
             <a:pPr rtl="0"/>
             <a:r>
               <a:rPr lang="fr-FR" b="1" dirty="0" smtClean="0"/>
-              <a:t>Le logo</a:t>
-            </a:r>
-            <a:endParaRPr lang="fr-FR" b="1" dirty="0"/>
+              <a:t>Le </a:t>
+            </a:r>
+            <a:r>
+              <a:rPr lang="fr-FR" b="1" dirty="0" smtClean="0"/>
+              <a:t>logo</a:t>
+            </a:r>
+          </a:p>
+          <a:p>
+            <a:pPr rtl="0"/>
+            <a:r>
+              <a:rPr lang="fr-FR" b="0" dirty="0" smtClean="0"/>
+              <a:t>Son design minimaliste</a:t>
+            </a:r>
+            <a:r>
+              <a:rPr lang="fr-FR" b="0" baseline="0" dirty="0" smtClean="0"/>
+              <a:t> reflète l’accessibilité et l’efficacité du site</a:t>
+            </a:r>
+            <a:endParaRPr lang="fr-FR" b="0" dirty="0"/>
           </a:p>
         </p:txBody>
       </p:sp>
@@ -2168,7 +2184,52 @@
           <a:lstStyle/>
           <a:p>
             <a:pPr rtl="0"/>
-            <a:endParaRPr lang="fr-FR" b="1" dirty="0"/>
+            <a:r>
+              <a:rPr lang="fr-FR" b="0" dirty="0" err="1" smtClean="0"/>
+              <a:t>Mock</a:t>
+            </a:r>
+            <a:r>
+              <a:rPr lang="fr-FR" b="0" baseline="0" dirty="0" smtClean="0"/>
+              <a:t> up version desktop</a:t>
+            </a:r>
+          </a:p>
+          <a:p>
+            <a:pPr rtl="0"/>
+            <a:r>
+              <a:rPr lang="fr-FR" b="0" baseline="0" dirty="0" err="1" smtClean="0"/>
+              <a:t>Mock</a:t>
+            </a:r>
+            <a:r>
+              <a:rPr lang="fr-FR" b="0" baseline="0" dirty="0" smtClean="0"/>
+              <a:t> up création </a:t>
+            </a:r>
+            <a:r>
+              <a:rPr lang="fr-FR" b="0" baseline="0" smtClean="0"/>
+              <a:t>de mission</a:t>
+            </a:r>
+            <a:endParaRPr lang="fr-FR" b="0" baseline="0" dirty="0" smtClean="0"/>
+          </a:p>
+          <a:p>
+            <a:pPr rtl="0"/>
+            <a:r>
+              <a:rPr lang="fr-FR" b="0" baseline="0" dirty="0" smtClean="0"/>
+              <a:t>Diagramme d’activité</a:t>
+            </a:r>
+          </a:p>
+          <a:p>
+            <a:pPr rtl="0"/>
+            <a:r>
+              <a:rPr lang="fr-FR" b="0" baseline="0" dirty="0" smtClean="0"/>
+              <a:t>Diagramme de séquence</a:t>
+            </a:r>
+          </a:p>
+          <a:p>
+            <a:pPr rtl="0"/>
+            <a:r>
+              <a:rPr lang="fr-FR" b="0" baseline="0" dirty="0" smtClean="0"/>
+              <a:t>Matrice de risques </a:t>
+            </a:r>
+            <a:endParaRPr lang="fr-FR" b="0" dirty="0"/>
           </a:p>
         </p:txBody>
       </p:sp>
@@ -2316,8 +2377,8 @@
               <a:t>avec le logo, les chartes graphique et éditoriale et les différentes </a:t>
             </a:r>
             <a:r>
-              <a:rPr lang="fr-FR" b="0" baseline="0" dirty="0" err="1" smtClean="0"/>
-              <a:t>mauqttes</a:t>
+              <a:rPr lang="fr-FR" b="0" baseline="0" dirty="0" smtClean="0"/>
+              <a:t>maquettes</a:t>
             </a:r>
             <a:endParaRPr lang="fr-FR" b="1" baseline="0" dirty="0" smtClean="0"/>
           </a:p>
@@ -2537,7 +2598,7 @@
     </p:spTree>
     <p:extLst>
       <p:ext uri="{BB962C8B-B14F-4D97-AF65-F5344CB8AC3E}">
-        <p14:creationId xmlns:p14="http://schemas.microsoft.com/office/powerpoint/2010/main" val="3360743565"/>
+        <p14:creationId xmlns:p14="http://schemas.microsoft.com/office/powerpoint/2010/main" val="363994433"/>
       </p:ext>
     </p:extLst>
   </p:cSld>
@@ -2623,7 +2684,7 @@
     </p:spTree>
     <p:extLst>
       <p:ext uri="{BB962C8B-B14F-4D97-AF65-F5344CB8AC3E}">
-        <p14:creationId xmlns:p14="http://schemas.microsoft.com/office/powerpoint/2010/main" val="1359644917"/>
+        <p14:creationId xmlns:p14="http://schemas.microsoft.com/office/powerpoint/2010/main" val="3360743565"/>
       </p:ext>
     </p:extLst>
   </p:cSld>
@@ -2701,6 +2762,92 @@
             <a:fld id="{BE60DC36-8EFA-4378-9855-E019C55AC472}" type="slidenum">
               <a:rPr lang="fr-FR" smtClean="0"/>
               <a:t>23</a:t>
+            </a:fld>
+            <a:endParaRPr lang="fr-FR" dirty="0"/>
+          </a:p>
+        </p:txBody>
+      </p:sp>
+    </p:spTree>
+    <p:extLst>
+      <p:ext uri="{BB962C8B-B14F-4D97-AF65-F5344CB8AC3E}">
+        <p14:creationId xmlns:p14="http://schemas.microsoft.com/office/powerpoint/2010/main" val="1359644917"/>
+      </p:ext>
+    </p:extLst>
+  </p:cSld>
+  <p:clrMapOvr>
+    <a:masterClrMapping/>
+  </p:clrMapOvr>
+</p:notes>
+</file>
+
+<file path=ppt/notesSlides/notesSlide24.xml><?xml version="1.0" encoding="utf-8"?>
+<p:notes xmlns:a="http://schemas.openxmlformats.org/drawingml/2006/main" xmlns:r="http://schemas.openxmlformats.org/officeDocument/2006/relationships" xmlns:p="http://schemas.openxmlformats.org/presentationml/2006/main">
+  <p:cSld>
+    <p:spTree>
+      <p:nvGrpSpPr>
+        <p:cNvPr id="1" name=""/>
+        <p:cNvGrpSpPr/>
+        <p:nvPr/>
+      </p:nvGrpSpPr>
+      <p:grpSpPr>
+        <a:xfrm>
+          <a:off x="0" y="0"/>
+          <a:ext cx="0" cy="0"/>
+          <a:chOff x="0" y="0"/>
+          <a:chExt cx="0" cy="0"/>
+        </a:xfrm>
+      </p:grpSpPr>
+      <p:sp>
+        <p:nvSpPr>
+          <p:cNvPr id="2" name="Espace réservé de l’image des diapositives 1"/>
+          <p:cNvSpPr>
+            <a:spLocks noGrp="1" noRot="1" noChangeAspect="1"/>
+          </p:cNvSpPr>
+          <p:nvPr>
+            <p:ph type="sldImg"/>
+          </p:nvPr>
+        </p:nvSpPr>
+        <p:spPr/>
+      </p:sp>
+      <p:sp>
+        <p:nvSpPr>
+          <p:cNvPr id="3" name="Espace réservé des commentaires 2"/>
+          <p:cNvSpPr>
+            <a:spLocks noGrp="1"/>
+          </p:cNvSpPr>
+          <p:nvPr>
+            <p:ph type="body" idx="1"/>
+          </p:nvPr>
+        </p:nvSpPr>
+        <p:spPr/>
+        <p:txBody>
+          <a:bodyPr rtlCol="0"/>
+          <a:lstStyle/>
+          <a:p>
+            <a:pPr rtl="0"/>
+            <a:endParaRPr lang="fr-FR" dirty="0"/>
+          </a:p>
+        </p:txBody>
+      </p:sp>
+      <p:sp>
+        <p:nvSpPr>
+          <p:cNvPr id="4" name="Espace réservé du numéro de diapositive 3"/>
+          <p:cNvSpPr>
+            <a:spLocks noGrp="1"/>
+          </p:cNvSpPr>
+          <p:nvPr>
+            <p:ph type="sldNum" sz="quarter" idx="5"/>
+          </p:nvPr>
+        </p:nvSpPr>
+        <p:spPr/>
+        <p:txBody>
+          <a:bodyPr rtlCol="0"/>
+          <a:lstStyle/>
+          <a:p>
+            <a:pPr rtl="0"/>
+            <a:fld id="{BE60DC36-8EFA-4378-9855-E019C55AC472}" type="slidenum">
+              <a:rPr lang="fr-FR" smtClean="0"/>
+              <a:t>24</a:t>
             </a:fld>
             <a:endParaRPr lang="fr-FR" dirty="0"/>
           </a:p>
@@ -2764,6 +2911,28 @@
           <a:lstStyle/>
           <a:p>
             <a:pPr rtl="0"/>
+            <a:r>
+              <a:rPr lang="fr-FR" dirty="0" smtClean="0"/>
+              <a:t>Objectif principal</a:t>
+            </a:r>
+          </a:p>
+          <a:p>
+            <a:pPr rtl="0"/>
+            <a:r>
+              <a:rPr lang="fr-FR" dirty="0" smtClean="0"/>
+              <a:t>Contexte</a:t>
+            </a:r>
+          </a:p>
+          <a:p>
+            <a:pPr rtl="0"/>
+            <a:r>
+              <a:rPr lang="fr-FR" dirty="0" smtClean="0"/>
+              <a:t>Cible</a:t>
+            </a:r>
+            <a:r>
+              <a:rPr lang="fr-FR" baseline="0" dirty="0" smtClean="0"/>
+              <a:t>s du projet</a:t>
+            </a:r>
             <a:endParaRPr lang="fr-FR" dirty="0"/>
           </a:p>
         </p:txBody>
@@ -3154,11 +3323,7 @@
             </a:r>
             <a:r>
               <a:rPr lang="fr-FR" b="1" dirty="0" smtClean="0"/>
-              <a:t> </a:t>
-            </a:r>
-            <a:r>
-              <a:rPr lang="fr-FR" b="1" dirty="0" smtClean="0"/>
-              <a:t>adobe </a:t>
+              <a:t> adobe </a:t>
             </a:r>
             <a:r>
               <a:rPr lang="fr-FR" b="0" dirty="0" smtClean="0"/>
@@ -6966,7 +7131,7 @@
                 <a16:creationId xmlns:a16="http://schemas.microsoft.com/office/drawing/2014/main" id="{1C59176D-59A8-4C02-B448-EE01232FB3E7}"/>
               </a:ext>
               <a:ext uri="{C183D7F6-B498-43B3-948B-1728B52AA6E4}">
-                <adec:decorative xmlns:adec="http://schemas.microsoft.com/office/drawing/2017/decorative" xmlns="" val="1"/>
+                <adec:decorative xmlns="" xmlns:adec="http://schemas.microsoft.com/office/drawing/2017/decorative" val="1"/>
               </a:ext>
             </a:extLst>
           </p:cNvPr>
@@ -7021,7 +7186,7 @@
                 <a16:creationId xmlns:a16="http://schemas.microsoft.com/office/drawing/2014/main" id="{A50B1817-3C7F-41BC-8557-7A00C928EE16}"/>
               </a:ext>
               <a:ext uri="{C183D7F6-B498-43B3-948B-1728B52AA6E4}">
-                <adec:decorative xmlns:adec="http://schemas.microsoft.com/office/drawing/2017/decorative" xmlns="" val="1"/>
+                <adec:decorative xmlns="" xmlns:adec="http://schemas.microsoft.com/office/drawing/2017/decorative" val="1"/>
               </a:ext>
             </a:extLst>
           </p:cNvPr>
@@ -8474,7 +8639,7 @@
                 <a16:creationId xmlns:a16="http://schemas.microsoft.com/office/drawing/2014/main" id="{D0986099-F5F2-4E8B-BE17-81194861A00C}"/>
               </a:ext>
               <a:ext uri="{C183D7F6-B498-43B3-948B-1728B52AA6E4}">
-                <adec:decorative xmlns:adec="http://schemas.microsoft.com/office/drawing/2017/decorative" xmlns="" val="1"/>
+                <adec:decorative xmlns="" xmlns:adec="http://schemas.microsoft.com/office/drawing/2017/decorative" val="1"/>
               </a:ext>
             </a:extLst>
           </p:cNvPr>
@@ -8593,7 +8758,7 @@
                 <a16:creationId xmlns:a16="http://schemas.microsoft.com/office/drawing/2014/main" id="{83E690F4-843A-47A5-8620-4FB01C0D8E68}"/>
               </a:ext>
               <a:ext uri="{C183D7F6-B498-43B3-948B-1728B52AA6E4}">
-                <adec:decorative xmlns:adec="http://schemas.microsoft.com/office/drawing/2017/decorative" xmlns="" val="1"/>
+                <adec:decorative xmlns="" xmlns:adec="http://schemas.microsoft.com/office/drawing/2017/decorative" val="1"/>
               </a:ext>
             </a:extLst>
           </p:cNvPr>
@@ -8980,7 +9145,7 @@
                 <a16:creationId xmlns:a16="http://schemas.microsoft.com/office/drawing/2014/main" id="{D0986099-F5F2-4E8B-BE17-81194861A00C}"/>
               </a:ext>
               <a:ext uri="{C183D7F6-B498-43B3-948B-1728B52AA6E4}">
-                <adec:decorative xmlns:adec="http://schemas.microsoft.com/office/drawing/2017/decorative" xmlns="" val="1"/>
+                <adec:decorative xmlns="" xmlns:adec="http://schemas.microsoft.com/office/drawing/2017/decorative" val="1"/>
               </a:ext>
             </a:extLst>
           </p:cNvPr>
@@ -9099,7 +9264,7 @@
                 <a16:creationId xmlns:a16="http://schemas.microsoft.com/office/drawing/2014/main" id="{83E690F4-843A-47A5-8620-4FB01C0D8E68}"/>
               </a:ext>
               <a:ext uri="{C183D7F6-B498-43B3-948B-1728B52AA6E4}">
-                <adec:decorative xmlns:adec="http://schemas.microsoft.com/office/drawing/2017/decorative" xmlns="" val="1"/>
+                <adec:decorative xmlns="" xmlns:adec="http://schemas.microsoft.com/office/drawing/2017/decorative" val="1"/>
               </a:ext>
             </a:extLst>
           </p:cNvPr>
@@ -9210,7 +9375,7 @@
                 <a16:creationId xmlns:a16="http://schemas.microsoft.com/office/drawing/2014/main" id="{5B804E9F-B6B5-41F9-9B63-9AF435FDC2B7}"/>
               </a:ext>
               <a:ext uri="{C183D7F6-B498-43B3-948B-1728B52AA6E4}">
-                <adec:decorative xmlns:adec="http://schemas.microsoft.com/office/drawing/2017/decorative" xmlns="" val="1"/>
+                <adec:decorative xmlns="" xmlns:adec="http://schemas.microsoft.com/office/drawing/2017/decorative" val="1"/>
               </a:ext>
             </a:extLst>
           </p:cNvPr>
@@ -9333,7 +9498,7 @@
                 <a16:creationId xmlns:a16="http://schemas.microsoft.com/office/drawing/2014/main" id="{5B804E9F-B6B5-41F9-9B63-9AF435FDC2B7}"/>
               </a:ext>
               <a:ext uri="{C183D7F6-B498-43B3-948B-1728B52AA6E4}">
-                <adec:decorative xmlns:adec="http://schemas.microsoft.com/office/drawing/2017/decorative" xmlns="" val="1"/>
+                <adec:decorative xmlns="" xmlns:adec="http://schemas.microsoft.com/office/drawing/2017/decorative" val="1"/>
               </a:ext>
             </a:extLst>
           </p:cNvPr>
@@ -9602,7 +9767,7 @@
                 <a16:creationId xmlns:a16="http://schemas.microsoft.com/office/drawing/2014/main" id="{D0986099-F5F2-4E8B-BE17-81194861A00C}"/>
               </a:ext>
               <a:ext uri="{C183D7F6-B498-43B3-948B-1728B52AA6E4}">
-                <adec:decorative xmlns:adec="http://schemas.microsoft.com/office/drawing/2017/decorative" xmlns="" val="1"/>
+                <adec:decorative xmlns="" xmlns:adec="http://schemas.microsoft.com/office/drawing/2017/decorative" val="1"/>
               </a:ext>
             </a:extLst>
           </p:cNvPr>
@@ -9721,7 +9886,7 @@
                 <a16:creationId xmlns:a16="http://schemas.microsoft.com/office/drawing/2014/main" id="{83E690F4-843A-47A5-8620-4FB01C0D8E68}"/>
               </a:ext>
               <a:ext uri="{C183D7F6-B498-43B3-948B-1728B52AA6E4}">
-                <adec:decorative xmlns:adec="http://schemas.microsoft.com/office/drawing/2017/decorative" xmlns="" val="1"/>
+                <adec:decorative xmlns="" xmlns:adec="http://schemas.microsoft.com/office/drawing/2017/decorative" val="1"/>
               </a:ext>
             </a:extLst>
           </p:cNvPr>
@@ -9794,7 +9959,7 @@
                 <a16:creationId xmlns:a16="http://schemas.microsoft.com/office/drawing/2014/main" id="{5B804E9F-B6B5-41F9-9B63-9AF435FDC2B7}"/>
               </a:ext>
               <a:ext uri="{C183D7F6-B498-43B3-948B-1728B52AA6E4}">
-                <adec:decorative xmlns:adec="http://schemas.microsoft.com/office/drawing/2017/decorative" xmlns="" val="1"/>
+                <adec:decorative xmlns="" xmlns:adec="http://schemas.microsoft.com/office/drawing/2017/decorative" val="1"/>
               </a:ext>
             </a:extLst>
           </p:cNvPr>
@@ -10418,7 +10583,7 @@
                 <a16:creationId xmlns:a16="http://schemas.microsoft.com/office/drawing/2014/main" id="{D0986099-F5F2-4E8B-BE17-81194861A00C}"/>
               </a:ext>
               <a:ext uri="{C183D7F6-B498-43B3-948B-1728B52AA6E4}">
-                <adec:decorative xmlns:adec="http://schemas.microsoft.com/office/drawing/2017/decorative" xmlns="" val="1"/>
+                <adec:decorative xmlns="" xmlns:adec="http://schemas.microsoft.com/office/drawing/2017/decorative" val="1"/>
               </a:ext>
             </a:extLst>
           </p:cNvPr>
@@ -10537,7 +10702,7 @@
                 <a16:creationId xmlns:a16="http://schemas.microsoft.com/office/drawing/2014/main" id="{83E690F4-843A-47A5-8620-4FB01C0D8E68}"/>
               </a:ext>
               <a:ext uri="{C183D7F6-B498-43B3-948B-1728B52AA6E4}">
-                <adec:decorative xmlns:adec="http://schemas.microsoft.com/office/drawing/2017/decorative" xmlns="" val="1"/>
+                <adec:decorative xmlns="" xmlns:adec="http://schemas.microsoft.com/office/drawing/2017/decorative" val="1"/>
               </a:ext>
             </a:extLst>
           </p:cNvPr>
@@ -10586,7 +10751,7 @@
                 <a16:creationId xmlns:a16="http://schemas.microsoft.com/office/drawing/2014/main" id="{5B804E9F-B6B5-41F9-9B63-9AF435FDC2B7}"/>
               </a:ext>
               <a:ext uri="{C183D7F6-B498-43B3-948B-1728B52AA6E4}">
-                <adec:decorative xmlns:adec="http://schemas.microsoft.com/office/drawing/2017/decorative" xmlns="" val="1"/>
+                <adec:decorative xmlns="" xmlns:adec="http://schemas.microsoft.com/office/drawing/2017/decorative" val="1"/>
               </a:ext>
             </a:extLst>
           </p:cNvPr>
@@ -11185,7 +11350,7 @@
                 <a16:creationId xmlns:a16="http://schemas.microsoft.com/office/drawing/2014/main" id="{D0986099-F5F2-4E8B-BE17-81194861A00C}"/>
               </a:ext>
               <a:ext uri="{C183D7F6-B498-43B3-948B-1728B52AA6E4}">
-                <adec:decorative xmlns:adec="http://schemas.microsoft.com/office/drawing/2017/decorative" xmlns="" val="1"/>
+                <adec:decorative xmlns="" xmlns:adec="http://schemas.microsoft.com/office/drawing/2017/decorative" val="1"/>
               </a:ext>
             </a:extLst>
           </p:cNvPr>
@@ -11304,7 +11469,7 @@
                 <a16:creationId xmlns:a16="http://schemas.microsoft.com/office/drawing/2014/main" id="{83E690F4-843A-47A5-8620-4FB01C0D8E68}"/>
               </a:ext>
               <a:ext uri="{C183D7F6-B498-43B3-948B-1728B52AA6E4}">
-                <adec:decorative xmlns:adec="http://schemas.microsoft.com/office/drawing/2017/decorative" xmlns="" val="1"/>
+                <adec:decorative xmlns="" xmlns:adec="http://schemas.microsoft.com/office/drawing/2017/decorative" val="1"/>
               </a:ext>
             </a:extLst>
           </p:cNvPr>
@@ -12025,7 +12190,7 @@
                 <a16:creationId xmlns:a16="http://schemas.microsoft.com/office/drawing/2014/main" id="{D0986099-F5F2-4E8B-BE17-81194861A00C}"/>
               </a:ext>
               <a:ext uri="{C183D7F6-B498-43B3-948B-1728B52AA6E4}">
-                <adec:decorative xmlns:adec="http://schemas.microsoft.com/office/drawing/2017/decorative" xmlns="" val="1"/>
+                <adec:decorative xmlns="" xmlns:adec="http://schemas.microsoft.com/office/drawing/2017/decorative" val="1"/>
               </a:ext>
             </a:extLst>
           </p:cNvPr>
@@ -12144,7 +12309,7 @@
                 <a16:creationId xmlns:a16="http://schemas.microsoft.com/office/drawing/2014/main" id="{83E690F4-843A-47A5-8620-4FB01C0D8E68}"/>
               </a:ext>
               <a:ext uri="{C183D7F6-B498-43B3-948B-1728B52AA6E4}">
-                <adec:decorative xmlns:adec="http://schemas.microsoft.com/office/drawing/2017/decorative" xmlns="" val="1"/>
+                <adec:decorative xmlns="" xmlns:adec="http://schemas.microsoft.com/office/drawing/2017/decorative" val="1"/>
               </a:ext>
             </a:extLst>
           </p:cNvPr>
@@ -12881,7 +13046,7 @@
                 <a16:creationId xmlns:a16="http://schemas.microsoft.com/office/drawing/2014/main" id="{D0986099-F5F2-4E8B-BE17-81194861A00C}"/>
               </a:ext>
               <a:ext uri="{C183D7F6-B498-43B3-948B-1728B52AA6E4}">
-                <adec:decorative xmlns:adec="http://schemas.microsoft.com/office/drawing/2017/decorative" xmlns="" val="1"/>
+                <adec:decorative xmlns="" xmlns:adec="http://schemas.microsoft.com/office/drawing/2017/decorative" val="1"/>
               </a:ext>
             </a:extLst>
           </p:cNvPr>
@@ -13000,7 +13165,7 @@
                 <a16:creationId xmlns:a16="http://schemas.microsoft.com/office/drawing/2014/main" id="{83E690F4-843A-47A5-8620-4FB01C0D8E68}"/>
               </a:ext>
               <a:ext uri="{C183D7F6-B498-43B3-948B-1728B52AA6E4}">
-                <adec:decorative xmlns:adec="http://schemas.microsoft.com/office/drawing/2017/decorative" xmlns="" val="1"/>
+                <adec:decorative xmlns="" xmlns:adec="http://schemas.microsoft.com/office/drawing/2017/decorative" val="1"/>
               </a:ext>
             </a:extLst>
           </p:cNvPr>
@@ -13347,7 +13512,7 @@
                 <a16:creationId xmlns:a16="http://schemas.microsoft.com/office/drawing/2014/main" id="{D0986099-F5F2-4E8B-BE17-81194861A00C}"/>
               </a:ext>
               <a:ext uri="{C183D7F6-B498-43B3-948B-1728B52AA6E4}">
-                <adec:decorative xmlns:adec="http://schemas.microsoft.com/office/drawing/2017/decorative" xmlns="" val="1"/>
+                <adec:decorative xmlns="" xmlns:adec="http://schemas.microsoft.com/office/drawing/2017/decorative" val="1"/>
               </a:ext>
             </a:extLst>
           </p:cNvPr>
@@ -13466,7 +13631,7 @@
                 <a16:creationId xmlns:a16="http://schemas.microsoft.com/office/drawing/2014/main" id="{83E690F4-843A-47A5-8620-4FB01C0D8E68}"/>
               </a:ext>
               <a:ext uri="{C183D7F6-B498-43B3-948B-1728B52AA6E4}">
-                <adec:decorative xmlns:adec="http://schemas.microsoft.com/office/drawing/2017/decorative" xmlns="" val="1"/>
+                <adec:decorative xmlns="" xmlns:adec="http://schemas.microsoft.com/office/drawing/2017/decorative" val="1"/>
               </a:ext>
             </a:extLst>
           </p:cNvPr>
@@ -13515,7 +13680,7 @@
                 <a16:creationId xmlns:a16="http://schemas.microsoft.com/office/drawing/2014/main" id="{5B804E9F-B6B5-41F9-9B63-9AF435FDC2B7}"/>
               </a:ext>
               <a:ext uri="{C183D7F6-B498-43B3-948B-1728B52AA6E4}">
-                <adec:decorative xmlns:adec="http://schemas.microsoft.com/office/drawing/2017/decorative" xmlns="" val="1"/>
+                <adec:decorative xmlns="" xmlns:adec="http://schemas.microsoft.com/office/drawing/2017/decorative" val="1"/>
               </a:ext>
             </a:extLst>
           </p:cNvPr>
@@ -13740,7 +13905,7 @@
                 <a16:creationId xmlns:a16="http://schemas.microsoft.com/office/drawing/2014/main" id="{5B804E9F-B6B5-41F9-9B63-9AF435FDC2B7}"/>
               </a:ext>
               <a:ext uri="{C183D7F6-B498-43B3-948B-1728B52AA6E4}">
-                <adec:decorative xmlns:adec="http://schemas.microsoft.com/office/drawing/2017/decorative" xmlns="" val="1"/>
+                <adec:decorative xmlns="" xmlns:adec="http://schemas.microsoft.com/office/drawing/2017/decorative" val="1"/>
               </a:ext>
             </a:extLst>
           </p:cNvPr>
@@ -14209,7 +14374,7 @@
                 <a16:creationId xmlns:a16="http://schemas.microsoft.com/office/drawing/2014/main" id="{62A21665-C64F-4BDA-B2DE-442D70605718}"/>
               </a:ext>
               <a:ext uri="{C183D7F6-B498-43B3-948B-1728B52AA6E4}">
-                <adec:decorative xmlns:adec="http://schemas.microsoft.com/office/drawing/2017/decorative" xmlns="" val="1"/>
+                <adec:decorative xmlns="" xmlns:adec="http://schemas.microsoft.com/office/drawing/2017/decorative" val="1"/>
               </a:ext>
             </a:extLst>
           </p:cNvPr>
@@ -14443,7 +14608,7 @@
                 <a16:creationId xmlns:a16="http://schemas.microsoft.com/office/drawing/2014/main" id="{364CFD90-D0E1-4BC3-9D8B-7503E2632C39}"/>
               </a:ext>
               <a:ext uri="{C183D7F6-B498-43B3-948B-1728B52AA6E4}">
-                <adec:decorative xmlns:adec="http://schemas.microsoft.com/office/drawing/2017/decorative" xmlns="" val="1"/>
+                <adec:decorative xmlns="" xmlns:adec="http://schemas.microsoft.com/office/drawing/2017/decorative" val="1"/>
               </a:ext>
             </a:extLst>
           </p:cNvPr>
@@ -14535,7 +14700,7 @@
                 <a16:creationId xmlns:a16="http://schemas.microsoft.com/office/drawing/2014/main" id="{D0986099-F5F2-4E8B-BE17-81194861A00C}"/>
               </a:ext>
               <a:ext uri="{C183D7F6-B498-43B3-948B-1728B52AA6E4}">
-                <adec:decorative xmlns:adec="http://schemas.microsoft.com/office/drawing/2017/decorative" xmlns="" val="1"/>
+                <adec:decorative xmlns="" xmlns:adec="http://schemas.microsoft.com/office/drawing/2017/decorative" val="1"/>
               </a:ext>
             </a:extLst>
           </p:cNvPr>
@@ -14654,7 +14819,7 @@
                 <a16:creationId xmlns:a16="http://schemas.microsoft.com/office/drawing/2014/main" id="{83E690F4-843A-47A5-8620-4FB01C0D8E68}"/>
               </a:ext>
               <a:ext uri="{C183D7F6-B498-43B3-948B-1728B52AA6E4}">
-                <adec:decorative xmlns:adec="http://schemas.microsoft.com/office/drawing/2017/decorative" xmlns="" val="1"/>
+                <adec:decorative xmlns="" xmlns:adec="http://schemas.microsoft.com/office/drawing/2017/decorative" val="1"/>
               </a:ext>
             </a:extLst>
           </p:cNvPr>
@@ -14703,7 +14868,7 @@
                 <a16:creationId xmlns:a16="http://schemas.microsoft.com/office/drawing/2014/main" id="{E3ECCC05-FF78-40FA-84FF-172821D8B58A}"/>
               </a:ext>
               <a:ext uri="{C183D7F6-B498-43B3-948B-1728B52AA6E4}">
-                <adec:decorative xmlns:adec="http://schemas.microsoft.com/office/drawing/2017/decorative" xmlns="" val="1"/>
+                <adec:decorative xmlns="" xmlns:adec="http://schemas.microsoft.com/office/drawing/2017/decorative" val="1"/>
               </a:ext>
             </a:extLst>
           </p:cNvPr>
@@ -14777,7 +14942,7 @@
         </p:blipFill>
         <p:spPr>
           <a:xfrm>
-            <a:off x="4958405" y="2543459"/>
+            <a:off x="4984369" y="2618940"/>
             <a:ext cx="2223262" cy="2172569"/>
           </a:xfrm>
           <a:prstGeom prst="rect">
@@ -14862,7 +15027,7 @@
                 <a16:creationId xmlns:a16="http://schemas.microsoft.com/office/drawing/2014/main" id="{364CFD90-D0E1-4BC3-9D8B-7503E2632C39}"/>
               </a:ext>
               <a:ext uri="{C183D7F6-B498-43B3-948B-1728B52AA6E4}">
-                <adec:decorative xmlns:adec="http://schemas.microsoft.com/office/drawing/2017/decorative" xmlns="" val="1"/>
+                <adec:decorative xmlns="" xmlns:adec="http://schemas.microsoft.com/office/drawing/2017/decorative" val="1"/>
               </a:ext>
             </a:extLst>
           </p:cNvPr>
@@ -14954,7 +15119,7 @@
                 <a16:creationId xmlns:a16="http://schemas.microsoft.com/office/drawing/2014/main" id="{D0986099-F5F2-4E8B-BE17-81194861A00C}"/>
               </a:ext>
               <a:ext uri="{C183D7F6-B498-43B3-948B-1728B52AA6E4}">
-                <adec:decorative xmlns:adec="http://schemas.microsoft.com/office/drawing/2017/decorative" xmlns="" val="1"/>
+                <adec:decorative xmlns="" xmlns:adec="http://schemas.microsoft.com/office/drawing/2017/decorative" val="1"/>
               </a:ext>
             </a:extLst>
           </p:cNvPr>
@@ -15073,7 +15238,7 @@
                 <a16:creationId xmlns:a16="http://schemas.microsoft.com/office/drawing/2014/main" id="{83E690F4-843A-47A5-8620-4FB01C0D8E68}"/>
               </a:ext>
               <a:ext uri="{C183D7F6-B498-43B3-948B-1728B52AA6E4}">
-                <adec:decorative xmlns:adec="http://schemas.microsoft.com/office/drawing/2017/decorative" xmlns="" val="1"/>
+                <adec:decorative xmlns="" xmlns:adec="http://schemas.microsoft.com/office/drawing/2017/decorative" val="1"/>
               </a:ext>
             </a:extLst>
           </p:cNvPr>
@@ -15122,7 +15287,7 @@
                 <a16:creationId xmlns:a16="http://schemas.microsoft.com/office/drawing/2014/main" id="{E3ECCC05-FF78-40FA-84FF-172821D8B58A}"/>
               </a:ext>
               <a:ext uri="{C183D7F6-B498-43B3-948B-1728B52AA6E4}">
-                <adec:decorative xmlns:adec="http://schemas.microsoft.com/office/drawing/2017/decorative" xmlns="" val="1"/>
+                <adec:decorative xmlns="" xmlns:adec="http://schemas.microsoft.com/office/drawing/2017/decorative" val="1"/>
               </a:ext>
             </a:extLst>
           </p:cNvPr>
@@ -15182,7 +15347,7 @@
                 <a16:creationId xmlns:a16="http://schemas.microsoft.com/office/drawing/2014/main" id="{D6178536-4D8A-4FF2-BBDC-4B3E7E0FCF26}"/>
               </a:ext>
               <a:ext uri="{C183D7F6-B498-43B3-948B-1728B52AA6E4}">
-                <adec:decorative xmlns:adec="http://schemas.microsoft.com/office/drawing/2017/decorative" xmlns="" val="1"/>
+                <adec:decorative xmlns="" xmlns:adec="http://schemas.microsoft.com/office/drawing/2017/decorative" val="1"/>
               </a:ext>
             </a:extLst>
           </p:cNvPr>
@@ -15265,7 +15430,7 @@
                 <a16:creationId xmlns:a16="http://schemas.microsoft.com/office/drawing/2014/main" id="{416F1356-9015-4B5C-9C64-3C1D963E5F59}"/>
               </a:ext>
               <a:ext uri="{C183D7F6-B498-43B3-948B-1728B52AA6E4}">
-                <adec:decorative xmlns:adec="http://schemas.microsoft.com/office/drawing/2017/decorative" xmlns="" val="1"/>
+                <adec:decorative xmlns="" xmlns:adec="http://schemas.microsoft.com/office/drawing/2017/decorative" val="1"/>
               </a:ext>
             </a:extLst>
           </p:cNvPr>
@@ -15320,7 +15485,7 @@
                 <a16:creationId xmlns:a16="http://schemas.microsoft.com/office/drawing/2014/main" id="{EB7F2E37-0ACF-4E8A-9C1D-EC5B65BA2906}"/>
               </a:ext>
               <a:ext uri="{C183D7F6-B498-43B3-948B-1728B52AA6E4}">
-                <adec:decorative xmlns:adec="http://schemas.microsoft.com/office/drawing/2017/decorative" xmlns="" val="1"/>
+                <adec:decorative xmlns="" xmlns:adec="http://schemas.microsoft.com/office/drawing/2017/decorative" val="1"/>
               </a:ext>
             </a:extLst>
           </p:cNvPr>
@@ -15383,7 +15548,7 @@
                 <a16:creationId xmlns:a16="http://schemas.microsoft.com/office/drawing/2014/main" id="{88F812F5-70AF-4FBD-80D9-D59B3C456D5E}"/>
               </a:ext>
               <a:ext uri="{C183D7F6-B498-43B3-948B-1728B52AA6E4}">
-                <adec:decorative xmlns:adec="http://schemas.microsoft.com/office/drawing/2017/decorative" xmlns="" val="1"/>
+                <adec:decorative xmlns="" xmlns:adec="http://schemas.microsoft.com/office/drawing/2017/decorative" val="1"/>
               </a:ext>
             </a:extLst>
           </p:cNvPr>
@@ -15438,7 +15603,7 @@
                 <a16:creationId xmlns:a16="http://schemas.microsoft.com/office/drawing/2014/main" id="{952C5002-7E64-4069-ACA0-6876E54A9B46}"/>
               </a:ext>
               <a:ext uri="{C183D7F6-B498-43B3-948B-1728B52AA6E4}">
-                <adec:decorative xmlns:adec="http://schemas.microsoft.com/office/drawing/2017/decorative" xmlns="" val="1"/>
+                <adec:decorative xmlns="" xmlns:adec="http://schemas.microsoft.com/office/drawing/2017/decorative" val="1"/>
               </a:ext>
             </a:extLst>
           </p:cNvPr>
@@ -15521,7 +15686,7 @@
                 <a16:creationId xmlns:a16="http://schemas.microsoft.com/office/drawing/2014/main" id="{A49C5F3A-6F0D-4A0F-AE6E-92F342C22ACD}"/>
               </a:ext>
               <a:ext uri="{C183D7F6-B498-43B3-948B-1728B52AA6E4}">
-                <adec:decorative xmlns:adec="http://schemas.microsoft.com/office/drawing/2017/decorative" xmlns="" val="1"/>
+                <adec:decorative xmlns="" xmlns:adec="http://schemas.microsoft.com/office/drawing/2017/decorative" val="1"/>
               </a:ext>
             </a:extLst>
           </p:cNvPr>
@@ -15576,7 +15741,7 @@
                 <a16:creationId xmlns:a16="http://schemas.microsoft.com/office/drawing/2014/main" id="{94A75A79-A67A-4A23-8588-7FC5EB9A5183}"/>
               </a:ext>
               <a:ext uri="{C183D7F6-B498-43B3-948B-1728B52AA6E4}">
-                <adec:decorative xmlns:adec="http://schemas.microsoft.com/office/drawing/2017/decorative" xmlns="" val="1"/>
+                <adec:decorative xmlns="" xmlns:adec="http://schemas.microsoft.com/office/drawing/2017/decorative" val="1"/>
               </a:ext>
             </a:extLst>
           </p:cNvPr>
@@ -15639,7 +15804,7 @@
                 <a16:creationId xmlns:a16="http://schemas.microsoft.com/office/drawing/2014/main" id="{BBC62739-FA35-49F8-8929-743B31F55A69}"/>
               </a:ext>
               <a:ext uri="{C183D7F6-B498-43B3-948B-1728B52AA6E4}">
-                <adec:decorative xmlns:adec="http://schemas.microsoft.com/office/drawing/2017/decorative" xmlns="" val="1"/>
+                <adec:decorative xmlns="" xmlns:adec="http://schemas.microsoft.com/office/drawing/2017/decorative" val="1"/>
               </a:ext>
             </a:extLst>
           </p:cNvPr>
@@ -15694,7 +15859,7 @@
                 <a16:creationId xmlns:a16="http://schemas.microsoft.com/office/drawing/2014/main" id="{71BB375D-5EE6-4428-9817-2C7DB6B94332}"/>
               </a:ext>
               <a:ext uri="{C183D7F6-B498-43B3-948B-1728B52AA6E4}">
-                <adec:decorative xmlns:adec="http://schemas.microsoft.com/office/drawing/2017/decorative" xmlns="" val="1"/>
+                <adec:decorative xmlns="" xmlns:adec="http://schemas.microsoft.com/office/drawing/2017/decorative" val="1"/>
               </a:ext>
             </a:extLst>
           </p:cNvPr>
@@ -15766,7 +15931,7 @@
                 <a16:creationId xmlns:a16="http://schemas.microsoft.com/office/drawing/2014/main" id="{B3A511B7-C7F3-4107-9962-1E10D2E087DD}"/>
               </a:ext>
               <a:ext uri="{C183D7F6-B498-43B3-948B-1728B52AA6E4}">
-                <adec:decorative xmlns:adec="http://schemas.microsoft.com/office/drawing/2017/decorative" xmlns="" val="1"/>
+                <adec:decorative xmlns="" xmlns:adec="http://schemas.microsoft.com/office/drawing/2017/decorative" val="1"/>
               </a:ext>
             </a:extLst>
           </p:cNvPr>
@@ -15821,7 +15986,7 @@
                 <a16:creationId xmlns:a16="http://schemas.microsoft.com/office/drawing/2014/main" id="{D4D7D4B6-62C2-45AB-89A5-3A41DA021FD2}"/>
               </a:ext>
               <a:ext uri="{C183D7F6-B498-43B3-948B-1728B52AA6E4}">
-                <adec:decorative xmlns:adec="http://schemas.microsoft.com/office/drawing/2017/decorative" xmlns="" val="1"/>
+                <adec:decorative xmlns="" xmlns:adec="http://schemas.microsoft.com/office/drawing/2017/decorative" val="1"/>
               </a:ext>
             </a:extLst>
           </p:cNvPr>
@@ -15889,7 +16054,7 @@
                 <a16:creationId xmlns:a16="http://schemas.microsoft.com/office/drawing/2014/main" id="{83902602-D4BC-4D44-AC14-BB55A86C5D06}"/>
               </a:ext>
               <a:ext uri="{C183D7F6-B498-43B3-948B-1728B52AA6E4}">
-                <adec:decorative xmlns:adec="http://schemas.microsoft.com/office/drawing/2017/decorative" xmlns="" val="1"/>
+                <adec:decorative xmlns="" xmlns:adec="http://schemas.microsoft.com/office/drawing/2017/decorative" val="1"/>
               </a:ext>
             </a:extLst>
           </p:cNvPr>
@@ -24786,133 +24951,6 @@
       </p:pic>
       <p:sp>
         <p:nvSpPr>
-          <p:cNvPr id="46" name="Rectangle : Coins arrondis 26">
-            <a:extLst>
-              <a:ext uri="{FF2B5EF4-FFF2-40B4-BE49-F238E27FC236}">
-                <a16:creationId xmlns:a16="http://schemas.microsoft.com/office/drawing/2014/main" id="{71BB375D-5EE6-4428-9817-2C7DB6B94332}"/>
-              </a:ext>
-              <a:ext uri="{C183D7F6-B498-43B3-948B-1728B52AA6E4}">
-                <adec:decorative xmlns:adec="http://schemas.microsoft.com/office/drawing/2017/decorative" xmlns="" val="1"/>
-              </a:ext>
-            </a:extLst>
-          </p:cNvPr>
-          <p:cNvSpPr/>
-          <p:nvPr/>
-        </p:nvSpPr>
-        <p:spPr>
-          <a:xfrm>
-            <a:off x="4171895" y="5952082"/>
-            <a:ext cx="3660775" cy="740997"/>
-          </a:xfrm>
-          <a:prstGeom prst="roundRect">
-            <a:avLst>
-              <a:gd name="adj" fmla="val 50000"/>
-            </a:avLst>
-          </a:prstGeom>
-          <a:solidFill>
-            <a:schemeClr val="accent4">
-              <a:lumMod val="60000"/>
-              <a:lumOff val="40000"/>
-            </a:schemeClr>
-          </a:solidFill>
-          <a:ln>
-            <a:noFill/>
-          </a:ln>
-        </p:spPr>
-        <p:style>
-          <a:lnRef idx="2">
-            <a:schemeClr val="accent1">
-              <a:shade val="50000"/>
-            </a:schemeClr>
-          </a:lnRef>
-          <a:fillRef idx="1">
-            <a:schemeClr val="accent1"/>
-          </a:fillRef>
-          <a:effectRef idx="0">
-            <a:schemeClr val="accent1"/>
-          </a:effectRef>
-          <a:fontRef idx="minor">
-            <a:schemeClr val="lt1"/>
-          </a:fontRef>
-        </p:style>
-        <p:txBody>
-          <a:bodyPr rtlCol="0" anchor="ctr"/>
-          <a:lstStyle/>
-          <a:p>
-            <a:pPr algn="ctr" rtl="0"/>
-            <a:r>
-              <a:rPr lang="fr-FR" sz="2400" b="1" dirty="0" smtClean="0">
-                <a:solidFill>
-                  <a:schemeClr val="tx1"/>
-                </a:solidFill>
-              </a:rPr>
-              <a:t>PERSPECTIVES &amp; CONCLUSION</a:t>
-            </a:r>
-            <a:endParaRPr lang="fr-FR" sz="2400" b="1" dirty="0">
-              <a:solidFill>
-                <a:schemeClr val="tx1"/>
-              </a:solidFill>
-            </a:endParaRPr>
-          </a:p>
-        </p:txBody>
-      </p:sp>
-      <p:sp>
-        <p:nvSpPr>
-          <p:cNvPr id="47" name="Ovale 27">
-            <a:extLst>
-              <a:ext uri="{FF2B5EF4-FFF2-40B4-BE49-F238E27FC236}">
-                <a16:creationId xmlns:a16="http://schemas.microsoft.com/office/drawing/2014/main" id="{B3A511B7-C7F3-4107-9962-1E10D2E087DD}"/>
-              </a:ext>
-              <a:ext uri="{C183D7F6-B498-43B3-948B-1728B52AA6E4}">
-                <adec:decorative xmlns:adec="http://schemas.microsoft.com/office/drawing/2017/decorative" xmlns="" val="1"/>
-              </a:ext>
-            </a:extLst>
-          </p:cNvPr>
-          <p:cNvSpPr/>
-          <p:nvPr/>
-        </p:nvSpPr>
-        <p:spPr>
-          <a:xfrm>
-            <a:off x="5632395" y="5062615"/>
-            <a:ext cx="939800" cy="939800"/>
-          </a:xfrm>
-          <a:prstGeom prst="ellipse">
-            <a:avLst/>
-          </a:prstGeom>
-          <a:solidFill>
-            <a:schemeClr val="accent4"/>
-          </a:solidFill>
-          <a:ln>
-            <a:noFill/>
-          </a:ln>
-        </p:spPr>
-        <p:style>
-          <a:lnRef idx="2">
-            <a:schemeClr val="accent1">
-              <a:shade val="50000"/>
-            </a:schemeClr>
-          </a:lnRef>
-          <a:fillRef idx="1">
-            <a:schemeClr val="accent1"/>
-          </a:fillRef>
-          <a:effectRef idx="0">
-            <a:schemeClr val="accent1"/>
-          </a:effectRef>
-          <a:fontRef idx="minor">
-            <a:schemeClr val="lt1"/>
-          </a:fontRef>
-        </p:style>
-        <p:txBody>
-          <a:bodyPr rtlCol="0" anchor="ctr"/>
-          <a:lstStyle/>
-          <a:p>
-            <a:pPr algn="ctr" rtl="0"/>
-            <a:endParaRPr lang="fr-FR" dirty="0"/>
-          </a:p>
-        </p:txBody>
-      </p:sp>
-      <p:sp>
-        <p:nvSpPr>
           <p:cNvPr id="43" name="Forme libre 2319" descr="Icône de feuille ">
             <a:extLst>
               <a:ext uri="{FF2B5EF4-FFF2-40B4-BE49-F238E27FC236}">
@@ -25990,6 +26028,2621 @@
           </a:p>
         </p:txBody>
       </p:sp>
+      <p:sp>
+        <p:nvSpPr>
+          <p:cNvPr id="44" name="Rectangle : Coins arrondis 26">
+            <a:extLst>
+              <a:ext uri="{FF2B5EF4-FFF2-40B4-BE49-F238E27FC236}">
+                <a16:creationId xmlns:a16="http://schemas.microsoft.com/office/drawing/2014/main" id="{71BB375D-5EE6-4428-9817-2C7DB6B94332}"/>
+              </a:ext>
+              <a:ext uri="{C183D7F6-B498-43B3-948B-1728B52AA6E4}">
+                <adec:decorative xmlns="" xmlns:adec="http://schemas.microsoft.com/office/drawing/2017/decorative" val="1"/>
+              </a:ext>
+            </a:extLst>
+          </p:cNvPr>
+          <p:cNvSpPr/>
+          <p:nvPr/>
+        </p:nvSpPr>
+        <p:spPr>
+          <a:xfrm>
+            <a:off x="919859" y="5304440"/>
+            <a:ext cx="3660775" cy="740997"/>
+          </a:xfrm>
+          <a:prstGeom prst="roundRect">
+            <a:avLst>
+              <a:gd name="adj" fmla="val 50000"/>
+            </a:avLst>
+          </a:prstGeom>
+          <a:solidFill>
+            <a:schemeClr val="accent4">
+              <a:lumMod val="60000"/>
+              <a:lumOff val="40000"/>
+            </a:schemeClr>
+          </a:solidFill>
+          <a:ln>
+            <a:noFill/>
+          </a:ln>
+        </p:spPr>
+        <p:style>
+          <a:lnRef idx="2">
+            <a:schemeClr val="accent1">
+              <a:shade val="50000"/>
+            </a:schemeClr>
+          </a:lnRef>
+          <a:fillRef idx="1">
+            <a:schemeClr val="accent1"/>
+          </a:fillRef>
+          <a:effectRef idx="0">
+            <a:schemeClr val="accent1"/>
+          </a:effectRef>
+          <a:fontRef idx="minor">
+            <a:schemeClr val="lt1"/>
+          </a:fontRef>
+        </p:style>
+        <p:txBody>
+          <a:bodyPr rtlCol="0" anchor="ctr"/>
+          <a:lstStyle/>
+          <a:p>
+            <a:r>
+              <a:rPr lang="fr-FR" sz="2000" b="1" dirty="0">
+                <a:solidFill>
+                  <a:schemeClr val="tx1"/>
+                </a:solidFill>
+              </a:rPr>
+              <a:t>PERSPECTIVES &amp; CONCLUSION</a:t>
+            </a:r>
+            <a:endParaRPr lang="fr-FR" sz="2000" b="1" dirty="0">
+              <a:solidFill>
+                <a:schemeClr val="tx1"/>
+              </a:solidFill>
+            </a:endParaRPr>
+          </a:p>
+        </p:txBody>
+      </p:sp>
+      <p:sp>
+        <p:nvSpPr>
+          <p:cNvPr id="45" name="Ovale 27">
+            <a:extLst>
+              <a:ext uri="{FF2B5EF4-FFF2-40B4-BE49-F238E27FC236}">
+                <a16:creationId xmlns:a16="http://schemas.microsoft.com/office/drawing/2014/main" id="{B3A511B7-C7F3-4107-9962-1E10D2E087DD}"/>
+              </a:ext>
+              <a:ext uri="{C183D7F6-B498-43B3-948B-1728B52AA6E4}">
+                <adec:decorative xmlns="" xmlns:adec="http://schemas.microsoft.com/office/drawing/2017/decorative" val="1"/>
+              </a:ext>
+            </a:extLst>
+          </p:cNvPr>
+          <p:cNvSpPr/>
+          <p:nvPr/>
+        </p:nvSpPr>
+        <p:spPr>
+          <a:xfrm>
+            <a:off x="3751959" y="5205038"/>
+            <a:ext cx="939800" cy="939800"/>
+          </a:xfrm>
+          <a:prstGeom prst="ellipse">
+            <a:avLst/>
+          </a:prstGeom>
+          <a:solidFill>
+            <a:schemeClr val="accent4"/>
+          </a:solidFill>
+          <a:ln>
+            <a:noFill/>
+          </a:ln>
+        </p:spPr>
+        <p:style>
+          <a:lnRef idx="2">
+            <a:schemeClr val="accent1">
+              <a:shade val="50000"/>
+            </a:schemeClr>
+          </a:lnRef>
+          <a:fillRef idx="1">
+            <a:schemeClr val="accent1"/>
+          </a:fillRef>
+          <a:effectRef idx="0">
+            <a:schemeClr val="accent1"/>
+          </a:effectRef>
+          <a:fontRef idx="minor">
+            <a:schemeClr val="lt1"/>
+          </a:fontRef>
+        </p:style>
+        <p:txBody>
+          <a:bodyPr rtlCol="0" anchor="ctr"/>
+          <a:lstStyle/>
+          <a:p>
+            <a:pPr algn="ctr" rtl="0"/>
+            <a:endParaRPr lang="fr-FR" dirty="0"/>
+          </a:p>
+        </p:txBody>
+      </p:sp>
+      <p:sp>
+        <p:nvSpPr>
+          <p:cNvPr id="48" name="Forme libre 4346" descr="Icône de graphique en boîte à moustaches ">
+            <a:extLst>
+              <a:ext uri="{FF2B5EF4-FFF2-40B4-BE49-F238E27FC236}">
+                <a16:creationId xmlns:a16="http://schemas.microsoft.com/office/drawing/2014/main" id="{D131817A-5B27-4718-8BAC-45C9CEDA45D9}"/>
+              </a:ext>
+            </a:extLst>
+          </p:cNvPr>
+          <p:cNvSpPr>
+            <a:spLocks noEditPoints="1"/>
+          </p:cNvSpPr>
+          <p:nvPr/>
+        </p:nvSpPr>
+        <p:spPr bwMode="auto">
+          <a:xfrm>
+            <a:off x="4048980" y="5502059"/>
+            <a:ext cx="345758" cy="345758"/>
+          </a:xfrm>
+          <a:custGeom>
+            <a:avLst/>
+            <a:gdLst>
+              <a:gd name="T0" fmla="*/ 706 w 898"/>
+              <a:gd name="T1" fmla="*/ 479 h 898"/>
+              <a:gd name="T2" fmla="*/ 652 w 898"/>
+              <a:gd name="T3" fmla="*/ 556 h 898"/>
+              <a:gd name="T4" fmla="*/ 632 w 898"/>
+              <a:gd name="T5" fmla="*/ 551 h 898"/>
+              <a:gd name="T6" fmla="*/ 576 w 898"/>
+              <a:gd name="T7" fmla="*/ 477 h 898"/>
+              <a:gd name="T8" fmla="*/ 571 w 898"/>
+              <a:gd name="T9" fmla="*/ 398 h 898"/>
+              <a:gd name="T10" fmla="*/ 628 w 898"/>
+              <a:gd name="T11" fmla="*/ 129 h 898"/>
+              <a:gd name="T12" fmla="*/ 643 w 898"/>
+              <a:gd name="T13" fmla="*/ 114 h 898"/>
+              <a:gd name="T14" fmla="*/ 658 w 898"/>
+              <a:gd name="T15" fmla="*/ 129 h 898"/>
+              <a:gd name="T16" fmla="*/ 717 w 898"/>
+              <a:gd name="T17" fmla="*/ 398 h 898"/>
+              <a:gd name="T18" fmla="*/ 621 w 898"/>
+              <a:gd name="T19" fmla="*/ 758 h 898"/>
+              <a:gd name="T20" fmla="*/ 589 w 898"/>
+              <a:gd name="T21" fmla="*/ 727 h 898"/>
+              <a:gd name="T22" fmla="*/ 589 w 898"/>
+              <a:gd name="T23" fmla="*/ 680 h 898"/>
+              <a:gd name="T24" fmla="*/ 621 w 898"/>
+              <a:gd name="T25" fmla="*/ 648 h 898"/>
+              <a:gd name="T26" fmla="*/ 667 w 898"/>
+              <a:gd name="T27" fmla="*/ 648 h 898"/>
+              <a:gd name="T28" fmla="*/ 699 w 898"/>
+              <a:gd name="T29" fmla="*/ 680 h 898"/>
+              <a:gd name="T30" fmla="*/ 699 w 898"/>
+              <a:gd name="T31" fmla="*/ 727 h 898"/>
+              <a:gd name="T32" fmla="*/ 667 w 898"/>
+              <a:gd name="T33" fmla="*/ 758 h 898"/>
+              <a:gd name="T34" fmla="*/ 536 w 898"/>
+              <a:gd name="T35" fmla="*/ 294 h 898"/>
+              <a:gd name="T36" fmla="*/ 479 w 898"/>
+              <a:gd name="T37" fmla="*/ 546 h 898"/>
+              <a:gd name="T38" fmla="*/ 461 w 898"/>
+              <a:gd name="T39" fmla="*/ 558 h 898"/>
+              <a:gd name="T40" fmla="*/ 450 w 898"/>
+              <a:gd name="T41" fmla="*/ 299 h 898"/>
+              <a:gd name="T42" fmla="*/ 390 w 898"/>
+              <a:gd name="T43" fmla="*/ 287 h 898"/>
+              <a:gd name="T44" fmla="*/ 398 w 898"/>
+              <a:gd name="T45" fmla="*/ 211 h 898"/>
+              <a:gd name="T46" fmla="*/ 454 w 898"/>
+              <a:gd name="T47" fmla="*/ 118 h 898"/>
+              <a:gd name="T48" fmla="*/ 475 w 898"/>
+              <a:gd name="T49" fmla="*/ 118 h 898"/>
+              <a:gd name="T50" fmla="*/ 530 w 898"/>
+              <a:gd name="T51" fmla="*/ 211 h 898"/>
+              <a:gd name="T52" fmla="*/ 465 w 898"/>
+              <a:gd name="T53" fmla="*/ 763 h 898"/>
+              <a:gd name="T54" fmla="*/ 422 w 898"/>
+              <a:gd name="T55" fmla="*/ 745 h 898"/>
+              <a:gd name="T56" fmla="*/ 405 w 898"/>
+              <a:gd name="T57" fmla="*/ 703 h 898"/>
+              <a:gd name="T58" fmla="*/ 422 w 898"/>
+              <a:gd name="T59" fmla="*/ 661 h 898"/>
+              <a:gd name="T60" fmla="*/ 465 w 898"/>
+              <a:gd name="T61" fmla="*/ 643 h 898"/>
+              <a:gd name="T62" fmla="*/ 506 w 898"/>
+              <a:gd name="T63" fmla="*/ 661 h 898"/>
+              <a:gd name="T64" fmla="*/ 525 w 898"/>
+              <a:gd name="T65" fmla="*/ 703 h 898"/>
+              <a:gd name="T66" fmla="*/ 506 w 898"/>
+              <a:gd name="T67" fmla="*/ 745 h 898"/>
+              <a:gd name="T68" fmla="*/ 465 w 898"/>
+              <a:gd name="T69" fmla="*/ 763 h 898"/>
+              <a:gd name="T70" fmla="*/ 318 w 898"/>
+              <a:gd name="T71" fmla="*/ 419 h 898"/>
+              <a:gd name="T72" fmla="*/ 263 w 898"/>
+              <a:gd name="T73" fmla="*/ 556 h 898"/>
+              <a:gd name="T74" fmla="*/ 242 w 898"/>
+              <a:gd name="T75" fmla="*/ 551 h 898"/>
+              <a:gd name="T76" fmla="*/ 186 w 898"/>
+              <a:gd name="T77" fmla="*/ 417 h 898"/>
+              <a:gd name="T78" fmla="*/ 181 w 898"/>
+              <a:gd name="T79" fmla="*/ 339 h 898"/>
+              <a:gd name="T80" fmla="*/ 240 w 898"/>
+              <a:gd name="T81" fmla="*/ 129 h 898"/>
+              <a:gd name="T82" fmla="*/ 255 w 898"/>
+              <a:gd name="T83" fmla="*/ 114 h 898"/>
+              <a:gd name="T84" fmla="*/ 270 w 898"/>
+              <a:gd name="T85" fmla="*/ 129 h 898"/>
+              <a:gd name="T86" fmla="*/ 329 w 898"/>
+              <a:gd name="T87" fmla="*/ 339 h 898"/>
+              <a:gd name="T88" fmla="*/ 231 w 898"/>
+              <a:gd name="T89" fmla="*/ 758 h 898"/>
+              <a:gd name="T90" fmla="*/ 200 w 898"/>
+              <a:gd name="T91" fmla="*/ 727 h 898"/>
+              <a:gd name="T92" fmla="*/ 200 w 898"/>
+              <a:gd name="T93" fmla="*/ 680 h 898"/>
+              <a:gd name="T94" fmla="*/ 231 w 898"/>
+              <a:gd name="T95" fmla="*/ 648 h 898"/>
+              <a:gd name="T96" fmla="*/ 278 w 898"/>
+              <a:gd name="T97" fmla="*/ 648 h 898"/>
+              <a:gd name="T98" fmla="*/ 311 w 898"/>
+              <a:gd name="T99" fmla="*/ 680 h 898"/>
+              <a:gd name="T100" fmla="*/ 311 w 898"/>
+              <a:gd name="T101" fmla="*/ 727 h 898"/>
+              <a:gd name="T102" fmla="*/ 278 w 898"/>
+              <a:gd name="T103" fmla="*/ 758 h 898"/>
+              <a:gd name="T104" fmla="*/ 10 w 898"/>
+              <a:gd name="T105" fmla="*/ 2 h 898"/>
+              <a:gd name="T106" fmla="*/ 1 w 898"/>
+              <a:gd name="T107" fmla="*/ 886 h 898"/>
+              <a:gd name="T108" fmla="*/ 883 w 898"/>
+              <a:gd name="T109" fmla="*/ 898 h 898"/>
+              <a:gd name="T110" fmla="*/ 898 w 898"/>
+              <a:gd name="T111" fmla="*/ 883 h 898"/>
+              <a:gd name="T112" fmla="*/ 886 w 898"/>
+              <a:gd name="T113" fmla="*/ 0 h 898"/>
+            </a:gdLst>
+            <a:ahLst/>
+            <a:cxnLst>
+              <a:cxn ang="0">
+                <a:pos x="T0" y="T1"/>
+              </a:cxn>
+              <a:cxn ang="0">
+                <a:pos x="T2" y="T3"/>
+              </a:cxn>
+              <a:cxn ang="0">
+                <a:pos x="T4" y="T5"/>
+              </a:cxn>
+              <a:cxn ang="0">
+                <a:pos x="T6" y="T7"/>
+              </a:cxn>
+              <a:cxn ang="0">
+                <a:pos x="T8" y="T9"/>
+              </a:cxn>
+              <a:cxn ang="0">
+                <a:pos x="T10" y="T11"/>
+              </a:cxn>
+              <a:cxn ang="0">
+                <a:pos x="T12" y="T13"/>
+              </a:cxn>
+              <a:cxn ang="0">
+                <a:pos x="T14" y="T15"/>
+              </a:cxn>
+              <a:cxn ang="0">
+                <a:pos x="T16" y="T17"/>
+              </a:cxn>
+              <a:cxn ang="0">
+                <a:pos x="T18" y="T19"/>
+              </a:cxn>
+              <a:cxn ang="0">
+                <a:pos x="T20" y="T21"/>
+              </a:cxn>
+              <a:cxn ang="0">
+                <a:pos x="T22" y="T23"/>
+              </a:cxn>
+              <a:cxn ang="0">
+                <a:pos x="T24" y="T25"/>
+              </a:cxn>
+              <a:cxn ang="0">
+                <a:pos x="T26" y="T27"/>
+              </a:cxn>
+              <a:cxn ang="0">
+                <a:pos x="T28" y="T29"/>
+              </a:cxn>
+              <a:cxn ang="0">
+                <a:pos x="T30" y="T31"/>
+              </a:cxn>
+              <a:cxn ang="0">
+                <a:pos x="T32" y="T33"/>
+              </a:cxn>
+              <a:cxn ang="0">
+                <a:pos x="T34" y="T35"/>
+              </a:cxn>
+              <a:cxn ang="0">
+                <a:pos x="T36" y="T37"/>
+              </a:cxn>
+              <a:cxn ang="0">
+                <a:pos x="T38" y="T39"/>
+              </a:cxn>
+              <a:cxn ang="0">
+                <a:pos x="T40" y="T41"/>
+              </a:cxn>
+              <a:cxn ang="0">
+                <a:pos x="T42" y="T43"/>
+              </a:cxn>
+              <a:cxn ang="0">
+                <a:pos x="T44" y="T45"/>
+              </a:cxn>
+              <a:cxn ang="0">
+                <a:pos x="T46" y="T47"/>
+              </a:cxn>
+              <a:cxn ang="0">
+                <a:pos x="T48" y="T49"/>
+              </a:cxn>
+              <a:cxn ang="0">
+                <a:pos x="T50" y="T51"/>
+              </a:cxn>
+              <a:cxn ang="0">
+                <a:pos x="T52" y="T53"/>
+              </a:cxn>
+              <a:cxn ang="0">
+                <a:pos x="T54" y="T55"/>
+              </a:cxn>
+              <a:cxn ang="0">
+                <a:pos x="T56" y="T57"/>
+              </a:cxn>
+              <a:cxn ang="0">
+                <a:pos x="T58" y="T59"/>
+              </a:cxn>
+              <a:cxn ang="0">
+                <a:pos x="T60" y="T61"/>
+              </a:cxn>
+              <a:cxn ang="0">
+                <a:pos x="T62" y="T63"/>
+              </a:cxn>
+              <a:cxn ang="0">
+                <a:pos x="T64" y="T65"/>
+              </a:cxn>
+              <a:cxn ang="0">
+                <a:pos x="T66" y="T67"/>
+              </a:cxn>
+              <a:cxn ang="0">
+                <a:pos x="T68" y="T69"/>
+              </a:cxn>
+              <a:cxn ang="0">
+                <a:pos x="T70" y="T71"/>
+              </a:cxn>
+              <a:cxn ang="0">
+                <a:pos x="T72" y="T73"/>
+              </a:cxn>
+              <a:cxn ang="0">
+                <a:pos x="T74" y="T75"/>
+              </a:cxn>
+              <a:cxn ang="0">
+                <a:pos x="T76" y="T77"/>
+              </a:cxn>
+              <a:cxn ang="0">
+                <a:pos x="T78" y="T79"/>
+              </a:cxn>
+              <a:cxn ang="0">
+                <a:pos x="T80" y="T81"/>
+              </a:cxn>
+              <a:cxn ang="0">
+                <a:pos x="T82" y="T83"/>
+              </a:cxn>
+              <a:cxn ang="0">
+                <a:pos x="T84" y="T85"/>
+              </a:cxn>
+              <a:cxn ang="0">
+                <a:pos x="T86" y="T87"/>
+              </a:cxn>
+              <a:cxn ang="0">
+                <a:pos x="T88" y="T89"/>
+              </a:cxn>
+              <a:cxn ang="0">
+                <a:pos x="T90" y="T91"/>
+              </a:cxn>
+              <a:cxn ang="0">
+                <a:pos x="T92" y="T93"/>
+              </a:cxn>
+              <a:cxn ang="0">
+                <a:pos x="T94" y="T95"/>
+              </a:cxn>
+              <a:cxn ang="0">
+                <a:pos x="T96" y="T97"/>
+              </a:cxn>
+              <a:cxn ang="0">
+                <a:pos x="T98" y="T99"/>
+              </a:cxn>
+              <a:cxn ang="0">
+                <a:pos x="T100" y="T101"/>
+              </a:cxn>
+              <a:cxn ang="0">
+                <a:pos x="T102" y="T103"/>
+              </a:cxn>
+              <a:cxn ang="0">
+                <a:pos x="T104" y="T105"/>
+              </a:cxn>
+              <a:cxn ang="0">
+                <a:pos x="T106" y="T107"/>
+              </a:cxn>
+              <a:cxn ang="0">
+                <a:pos x="T108" y="T109"/>
+              </a:cxn>
+              <a:cxn ang="0">
+                <a:pos x="T110" y="T111"/>
+              </a:cxn>
+              <a:cxn ang="0">
+                <a:pos x="T112" y="T113"/>
+              </a:cxn>
+            </a:cxnLst>
+            <a:rect l="0" t="0" r="r" b="b"/>
+            <a:pathLst>
+              <a:path w="898" h="898">
+                <a:moveTo>
+                  <a:pt x="718" y="464"/>
+                </a:moveTo>
+                <a:lnTo>
+                  <a:pt x="718" y="467"/>
+                </a:lnTo>
+                <a:lnTo>
+                  <a:pt x="717" y="470"/>
+                </a:lnTo>
+                <a:lnTo>
+                  <a:pt x="716" y="472"/>
+                </a:lnTo>
+                <a:lnTo>
+                  <a:pt x="714" y="474"/>
+                </a:lnTo>
+                <a:lnTo>
+                  <a:pt x="712" y="477"/>
+                </a:lnTo>
+                <a:lnTo>
+                  <a:pt x="710" y="478"/>
+                </a:lnTo>
+                <a:lnTo>
+                  <a:pt x="706" y="479"/>
+                </a:lnTo>
+                <a:lnTo>
+                  <a:pt x="703" y="479"/>
+                </a:lnTo>
+                <a:lnTo>
+                  <a:pt x="658" y="479"/>
+                </a:lnTo>
+                <a:lnTo>
+                  <a:pt x="658" y="543"/>
+                </a:lnTo>
+                <a:lnTo>
+                  <a:pt x="658" y="546"/>
+                </a:lnTo>
+                <a:lnTo>
+                  <a:pt x="657" y="549"/>
+                </a:lnTo>
+                <a:lnTo>
+                  <a:pt x="656" y="551"/>
+                </a:lnTo>
+                <a:lnTo>
+                  <a:pt x="654" y="554"/>
+                </a:lnTo>
+                <a:lnTo>
+                  <a:pt x="652" y="556"/>
+                </a:lnTo>
+                <a:lnTo>
+                  <a:pt x="650" y="557"/>
+                </a:lnTo>
+                <a:lnTo>
+                  <a:pt x="647" y="558"/>
+                </a:lnTo>
+                <a:lnTo>
+                  <a:pt x="643" y="558"/>
+                </a:lnTo>
+                <a:lnTo>
+                  <a:pt x="641" y="558"/>
+                </a:lnTo>
+                <a:lnTo>
+                  <a:pt x="638" y="557"/>
+                </a:lnTo>
+                <a:lnTo>
+                  <a:pt x="636" y="556"/>
+                </a:lnTo>
+                <a:lnTo>
+                  <a:pt x="634" y="554"/>
+                </a:lnTo>
+                <a:lnTo>
+                  <a:pt x="632" y="551"/>
+                </a:lnTo>
+                <a:lnTo>
+                  <a:pt x="631" y="549"/>
+                </a:lnTo>
+                <a:lnTo>
+                  <a:pt x="629" y="546"/>
+                </a:lnTo>
+                <a:lnTo>
+                  <a:pt x="628" y="543"/>
+                </a:lnTo>
+                <a:lnTo>
+                  <a:pt x="628" y="479"/>
+                </a:lnTo>
+                <a:lnTo>
+                  <a:pt x="583" y="479"/>
+                </a:lnTo>
+                <a:lnTo>
+                  <a:pt x="581" y="479"/>
+                </a:lnTo>
+                <a:lnTo>
+                  <a:pt x="578" y="478"/>
+                </a:lnTo>
+                <a:lnTo>
+                  <a:pt x="576" y="477"/>
+                </a:lnTo>
+                <a:lnTo>
+                  <a:pt x="574" y="474"/>
+                </a:lnTo>
+                <a:lnTo>
+                  <a:pt x="572" y="472"/>
+                </a:lnTo>
+                <a:lnTo>
+                  <a:pt x="571" y="470"/>
+                </a:lnTo>
+                <a:lnTo>
+                  <a:pt x="570" y="467"/>
+                </a:lnTo>
+                <a:lnTo>
+                  <a:pt x="570" y="464"/>
+                </a:lnTo>
+                <a:lnTo>
+                  <a:pt x="570" y="404"/>
+                </a:lnTo>
+                <a:lnTo>
+                  <a:pt x="570" y="402"/>
+                </a:lnTo>
+                <a:lnTo>
+                  <a:pt x="571" y="398"/>
+                </a:lnTo>
+                <a:lnTo>
+                  <a:pt x="572" y="396"/>
+                </a:lnTo>
+                <a:lnTo>
+                  <a:pt x="574" y="394"/>
+                </a:lnTo>
+                <a:lnTo>
+                  <a:pt x="576" y="392"/>
+                </a:lnTo>
+                <a:lnTo>
+                  <a:pt x="578" y="391"/>
+                </a:lnTo>
+                <a:lnTo>
+                  <a:pt x="581" y="390"/>
+                </a:lnTo>
+                <a:lnTo>
+                  <a:pt x="583" y="389"/>
+                </a:lnTo>
+                <a:lnTo>
+                  <a:pt x="628" y="389"/>
+                </a:lnTo>
+                <a:lnTo>
+                  <a:pt x="628" y="129"/>
+                </a:lnTo>
+                <a:lnTo>
+                  <a:pt x="629" y="126"/>
+                </a:lnTo>
+                <a:lnTo>
+                  <a:pt x="631" y="123"/>
+                </a:lnTo>
+                <a:lnTo>
+                  <a:pt x="632" y="121"/>
+                </a:lnTo>
+                <a:lnTo>
+                  <a:pt x="634" y="118"/>
+                </a:lnTo>
+                <a:lnTo>
+                  <a:pt x="636" y="117"/>
+                </a:lnTo>
+                <a:lnTo>
+                  <a:pt x="638" y="115"/>
+                </a:lnTo>
+                <a:lnTo>
+                  <a:pt x="641" y="114"/>
+                </a:lnTo>
+                <a:lnTo>
+                  <a:pt x="643" y="114"/>
+                </a:lnTo>
+                <a:lnTo>
+                  <a:pt x="647" y="114"/>
+                </a:lnTo>
+                <a:lnTo>
+                  <a:pt x="650" y="115"/>
+                </a:lnTo>
+                <a:lnTo>
+                  <a:pt x="652" y="117"/>
+                </a:lnTo>
+                <a:lnTo>
+                  <a:pt x="654" y="118"/>
+                </a:lnTo>
+                <a:lnTo>
+                  <a:pt x="656" y="121"/>
+                </a:lnTo>
+                <a:lnTo>
+                  <a:pt x="657" y="123"/>
+                </a:lnTo>
+                <a:lnTo>
+                  <a:pt x="658" y="127"/>
+                </a:lnTo>
+                <a:lnTo>
+                  <a:pt x="658" y="129"/>
+                </a:lnTo>
+                <a:lnTo>
+                  <a:pt x="658" y="389"/>
+                </a:lnTo>
+                <a:lnTo>
+                  <a:pt x="703" y="389"/>
+                </a:lnTo>
+                <a:lnTo>
+                  <a:pt x="706" y="390"/>
+                </a:lnTo>
+                <a:lnTo>
+                  <a:pt x="710" y="391"/>
+                </a:lnTo>
+                <a:lnTo>
+                  <a:pt x="712" y="392"/>
+                </a:lnTo>
+                <a:lnTo>
+                  <a:pt x="714" y="394"/>
+                </a:lnTo>
+                <a:lnTo>
+                  <a:pt x="716" y="396"/>
+                </a:lnTo>
+                <a:lnTo>
+                  <a:pt x="717" y="398"/>
+                </a:lnTo>
+                <a:lnTo>
+                  <a:pt x="718" y="402"/>
+                </a:lnTo>
+                <a:lnTo>
+                  <a:pt x="718" y="404"/>
+                </a:lnTo>
+                <a:lnTo>
+                  <a:pt x="718" y="464"/>
+                </a:lnTo>
+                <a:close/>
+                <a:moveTo>
+                  <a:pt x="643" y="763"/>
+                </a:moveTo>
+                <a:lnTo>
+                  <a:pt x="638" y="762"/>
+                </a:lnTo>
+                <a:lnTo>
+                  <a:pt x="632" y="762"/>
+                </a:lnTo>
+                <a:lnTo>
+                  <a:pt x="626" y="760"/>
+                </a:lnTo>
+                <a:lnTo>
+                  <a:pt x="621" y="758"/>
+                </a:lnTo>
+                <a:lnTo>
+                  <a:pt x="616" y="756"/>
+                </a:lnTo>
+                <a:lnTo>
+                  <a:pt x="610" y="753"/>
+                </a:lnTo>
+                <a:lnTo>
+                  <a:pt x="606" y="749"/>
+                </a:lnTo>
+                <a:lnTo>
+                  <a:pt x="602" y="745"/>
+                </a:lnTo>
+                <a:lnTo>
+                  <a:pt x="597" y="741"/>
+                </a:lnTo>
+                <a:lnTo>
+                  <a:pt x="594" y="737"/>
+                </a:lnTo>
+                <a:lnTo>
+                  <a:pt x="591" y="731"/>
+                </a:lnTo>
+                <a:lnTo>
+                  <a:pt x="589" y="727"/>
+                </a:lnTo>
+                <a:lnTo>
+                  <a:pt x="587" y="720"/>
+                </a:lnTo>
+                <a:lnTo>
+                  <a:pt x="586" y="715"/>
+                </a:lnTo>
+                <a:lnTo>
+                  <a:pt x="584" y="710"/>
+                </a:lnTo>
+                <a:lnTo>
+                  <a:pt x="583" y="703"/>
+                </a:lnTo>
+                <a:lnTo>
+                  <a:pt x="584" y="697"/>
+                </a:lnTo>
+                <a:lnTo>
+                  <a:pt x="586" y="692"/>
+                </a:lnTo>
+                <a:lnTo>
+                  <a:pt x="587" y="685"/>
+                </a:lnTo>
+                <a:lnTo>
+                  <a:pt x="589" y="680"/>
+                </a:lnTo>
+                <a:lnTo>
+                  <a:pt x="591" y="674"/>
+                </a:lnTo>
+                <a:lnTo>
+                  <a:pt x="594" y="670"/>
+                </a:lnTo>
+                <a:lnTo>
+                  <a:pt x="597" y="665"/>
+                </a:lnTo>
+                <a:lnTo>
+                  <a:pt x="602" y="661"/>
+                </a:lnTo>
+                <a:lnTo>
+                  <a:pt x="606" y="657"/>
+                </a:lnTo>
+                <a:lnTo>
+                  <a:pt x="610" y="653"/>
+                </a:lnTo>
+                <a:lnTo>
+                  <a:pt x="616" y="651"/>
+                </a:lnTo>
+                <a:lnTo>
+                  <a:pt x="621" y="648"/>
+                </a:lnTo>
+                <a:lnTo>
+                  <a:pt x="626" y="646"/>
+                </a:lnTo>
+                <a:lnTo>
+                  <a:pt x="632" y="645"/>
+                </a:lnTo>
+                <a:lnTo>
+                  <a:pt x="638" y="643"/>
+                </a:lnTo>
+                <a:lnTo>
+                  <a:pt x="643" y="643"/>
+                </a:lnTo>
+                <a:lnTo>
+                  <a:pt x="650" y="643"/>
+                </a:lnTo>
+                <a:lnTo>
+                  <a:pt x="656" y="645"/>
+                </a:lnTo>
+                <a:lnTo>
+                  <a:pt x="662" y="646"/>
+                </a:lnTo>
+                <a:lnTo>
+                  <a:pt x="667" y="648"/>
+                </a:lnTo>
+                <a:lnTo>
+                  <a:pt x="672" y="651"/>
+                </a:lnTo>
+                <a:lnTo>
+                  <a:pt x="678" y="653"/>
+                </a:lnTo>
+                <a:lnTo>
+                  <a:pt x="682" y="657"/>
+                </a:lnTo>
+                <a:lnTo>
+                  <a:pt x="686" y="661"/>
+                </a:lnTo>
+                <a:lnTo>
+                  <a:pt x="690" y="665"/>
+                </a:lnTo>
+                <a:lnTo>
+                  <a:pt x="694" y="670"/>
+                </a:lnTo>
+                <a:lnTo>
+                  <a:pt x="697" y="674"/>
+                </a:lnTo>
+                <a:lnTo>
+                  <a:pt x="699" y="680"/>
+                </a:lnTo>
+                <a:lnTo>
+                  <a:pt x="701" y="685"/>
+                </a:lnTo>
+                <a:lnTo>
+                  <a:pt x="702" y="692"/>
+                </a:lnTo>
+                <a:lnTo>
+                  <a:pt x="703" y="697"/>
+                </a:lnTo>
+                <a:lnTo>
+                  <a:pt x="703" y="703"/>
+                </a:lnTo>
+                <a:lnTo>
+                  <a:pt x="703" y="710"/>
+                </a:lnTo>
+                <a:lnTo>
+                  <a:pt x="702" y="715"/>
+                </a:lnTo>
+                <a:lnTo>
+                  <a:pt x="701" y="720"/>
+                </a:lnTo>
+                <a:lnTo>
+                  <a:pt x="699" y="727"/>
+                </a:lnTo>
+                <a:lnTo>
+                  <a:pt x="697" y="731"/>
+                </a:lnTo>
+                <a:lnTo>
+                  <a:pt x="694" y="737"/>
+                </a:lnTo>
+                <a:lnTo>
+                  <a:pt x="690" y="741"/>
+                </a:lnTo>
+                <a:lnTo>
+                  <a:pt x="686" y="745"/>
+                </a:lnTo>
+                <a:lnTo>
+                  <a:pt x="682" y="749"/>
+                </a:lnTo>
+                <a:lnTo>
+                  <a:pt x="678" y="753"/>
+                </a:lnTo>
+                <a:lnTo>
+                  <a:pt x="672" y="756"/>
+                </a:lnTo>
+                <a:lnTo>
+                  <a:pt x="667" y="758"/>
+                </a:lnTo>
+                <a:lnTo>
+                  <a:pt x="662" y="760"/>
+                </a:lnTo>
+                <a:lnTo>
+                  <a:pt x="656" y="762"/>
+                </a:lnTo>
+                <a:lnTo>
+                  <a:pt x="650" y="762"/>
+                </a:lnTo>
+                <a:lnTo>
+                  <a:pt x="643" y="763"/>
+                </a:lnTo>
+                <a:close/>
+                <a:moveTo>
+                  <a:pt x="540" y="284"/>
+                </a:moveTo>
+                <a:lnTo>
+                  <a:pt x="538" y="287"/>
+                </a:lnTo>
+                <a:lnTo>
+                  <a:pt x="537" y="290"/>
+                </a:lnTo>
+                <a:lnTo>
+                  <a:pt x="536" y="294"/>
+                </a:lnTo>
+                <a:lnTo>
+                  <a:pt x="534" y="296"/>
+                </a:lnTo>
+                <a:lnTo>
+                  <a:pt x="532" y="297"/>
+                </a:lnTo>
+                <a:lnTo>
+                  <a:pt x="530" y="298"/>
+                </a:lnTo>
+                <a:lnTo>
+                  <a:pt x="527" y="299"/>
+                </a:lnTo>
+                <a:lnTo>
+                  <a:pt x="525" y="299"/>
+                </a:lnTo>
+                <a:lnTo>
+                  <a:pt x="480" y="299"/>
+                </a:lnTo>
+                <a:lnTo>
+                  <a:pt x="480" y="543"/>
+                </a:lnTo>
+                <a:lnTo>
+                  <a:pt x="479" y="546"/>
+                </a:lnTo>
+                <a:lnTo>
+                  <a:pt x="479" y="549"/>
+                </a:lnTo>
+                <a:lnTo>
+                  <a:pt x="476" y="551"/>
+                </a:lnTo>
+                <a:lnTo>
+                  <a:pt x="475" y="554"/>
+                </a:lnTo>
+                <a:lnTo>
+                  <a:pt x="472" y="556"/>
+                </a:lnTo>
+                <a:lnTo>
+                  <a:pt x="470" y="557"/>
+                </a:lnTo>
+                <a:lnTo>
+                  <a:pt x="467" y="558"/>
+                </a:lnTo>
+                <a:lnTo>
+                  <a:pt x="465" y="558"/>
+                </a:lnTo>
+                <a:lnTo>
+                  <a:pt x="461" y="558"/>
+                </a:lnTo>
+                <a:lnTo>
+                  <a:pt x="458" y="557"/>
+                </a:lnTo>
+                <a:lnTo>
+                  <a:pt x="456" y="556"/>
+                </a:lnTo>
+                <a:lnTo>
+                  <a:pt x="454" y="554"/>
+                </a:lnTo>
+                <a:lnTo>
+                  <a:pt x="452" y="551"/>
+                </a:lnTo>
+                <a:lnTo>
+                  <a:pt x="451" y="549"/>
+                </a:lnTo>
+                <a:lnTo>
+                  <a:pt x="450" y="546"/>
+                </a:lnTo>
+                <a:lnTo>
+                  <a:pt x="450" y="543"/>
+                </a:lnTo>
+                <a:lnTo>
+                  <a:pt x="450" y="299"/>
+                </a:lnTo>
+                <a:lnTo>
+                  <a:pt x="405" y="299"/>
+                </a:lnTo>
+                <a:lnTo>
+                  <a:pt x="402" y="299"/>
+                </a:lnTo>
+                <a:lnTo>
+                  <a:pt x="398" y="298"/>
+                </a:lnTo>
+                <a:lnTo>
+                  <a:pt x="396" y="297"/>
+                </a:lnTo>
+                <a:lnTo>
+                  <a:pt x="394" y="296"/>
+                </a:lnTo>
+                <a:lnTo>
+                  <a:pt x="392" y="294"/>
+                </a:lnTo>
+                <a:lnTo>
+                  <a:pt x="391" y="290"/>
+                </a:lnTo>
+                <a:lnTo>
+                  <a:pt x="390" y="287"/>
+                </a:lnTo>
+                <a:lnTo>
+                  <a:pt x="390" y="284"/>
+                </a:lnTo>
+                <a:lnTo>
+                  <a:pt x="390" y="225"/>
+                </a:lnTo>
+                <a:lnTo>
+                  <a:pt x="390" y="222"/>
+                </a:lnTo>
+                <a:lnTo>
+                  <a:pt x="391" y="219"/>
+                </a:lnTo>
+                <a:lnTo>
+                  <a:pt x="392" y="217"/>
+                </a:lnTo>
+                <a:lnTo>
+                  <a:pt x="394" y="214"/>
+                </a:lnTo>
+                <a:lnTo>
+                  <a:pt x="396" y="212"/>
+                </a:lnTo>
+                <a:lnTo>
+                  <a:pt x="398" y="211"/>
+                </a:lnTo>
+                <a:lnTo>
+                  <a:pt x="402" y="210"/>
+                </a:lnTo>
+                <a:lnTo>
+                  <a:pt x="405" y="210"/>
+                </a:lnTo>
+                <a:lnTo>
+                  <a:pt x="450" y="210"/>
+                </a:lnTo>
+                <a:lnTo>
+                  <a:pt x="450" y="129"/>
+                </a:lnTo>
+                <a:lnTo>
+                  <a:pt x="450" y="126"/>
+                </a:lnTo>
+                <a:lnTo>
+                  <a:pt x="451" y="123"/>
+                </a:lnTo>
+                <a:lnTo>
+                  <a:pt x="452" y="121"/>
+                </a:lnTo>
+                <a:lnTo>
+                  <a:pt x="454" y="118"/>
+                </a:lnTo>
+                <a:lnTo>
+                  <a:pt x="456" y="117"/>
+                </a:lnTo>
+                <a:lnTo>
+                  <a:pt x="458" y="115"/>
+                </a:lnTo>
+                <a:lnTo>
+                  <a:pt x="461" y="114"/>
+                </a:lnTo>
+                <a:lnTo>
+                  <a:pt x="465" y="114"/>
+                </a:lnTo>
+                <a:lnTo>
+                  <a:pt x="467" y="114"/>
+                </a:lnTo>
+                <a:lnTo>
+                  <a:pt x="470" y="115"/>
+                </a:lnTo>
+                <a:lnTo>
+                  <a:pt x="472" y="117"/>
+                </a:lnTo>
+                <a:lnTo>
+                  <a:pt x="475" y="118"/>
+                </a:lnTo>
+                <a:lnTo>
+                  <a:pt x="476" y="121"/>
+                </a:lnTo>
+                <a:lnTo>
+                  <a:pt x="479" y="123"/>
+                </a:lnTo>
+                <a:lnTo>
+                  <a:pt x="479" y="127"/>
+                </a:lnTo>
+                <a:lnTo>
+                  <a:pt x="480" y="129"/>
+                </a:lnTo>
+                <a:lnTo>
+                  <a:pt x="480" y="210"/>
+                </a:lnTo>
+                <a:lnTo>
+                  <a:pt x="525" y="210"/>
+                </a:lnTo>
+                <a:lnTo>
+                  <a:pt x="527" y="210"/>
+                </a:lnTo>
+                <a:lnTo>
+                  <a:pt x="530" y="211"/>
+                </a:lnTo>
+                <a:lnTo>
+                  <a:pt x="532" y="212"/>
+                </a:lnTo>
+                <a:lnTo>
+                  <a:pt x="534" y="214"/>
+                </a:lnTo>
+                <a:lnTo>
+                  <a:pt x="536" y="217"/>
+                </a:lnTo>
+                <a:lnTo>
+                  <a:pt x="537" y="219"/>
+                </a:lnTo>
+                <a:lnTo>
+                  <a:pt x="538" y="222"/>
+                </a:lnTo>
+                <a:lnTo>
+                  <a:pt x="540" y="225"/>
+                </a:lnTo>
+                <a:lnTo>
+                  <a:pt x="540" y="284"/>
+                </a:lnTo>
+                <a:close/>
+                <a:moveTo>
+                  <a:pt x="465" y="763"/>
+                </a:moveTo>
+                <a:lnTo>
+                  <a:pt x="458" y="762"/>
+                </a:lnTo>
+                <a:lnTo>
+                  <a:pt x="452" y="762"/>
+                </a:lnTo>
+                <a:lnTo>
+                  <a:pt x="446" y="760"/>
+                </a:lnTo>
+                <a:lnTo>
+                  <a:pt x="441" y="758"/>
+                </a:lnTo>
+                <a:lnTo>
+                  <a:pt x="436" y="756"/>
+                </a:lnTo>
+                <a:lnTo>
+                  <a:pt x="430" y="753"/>
+                </a:lnTo>
+                <a:lnTo>
+                  <a:pt x="426" y="749"/>
+                </a:lnTo>
+                <a:lnTo>
+                  <a:pt x="422" y="745"/>
+                </a:lnTo>
+                <a:lnTo>
+                  <a:pt x="419" y="741"/>
+                </a:lnTo>
+                <a:lnTo>
+                  <a:pt x="414" y="737"/>
+                </a:lnTo>
+                <a:lnTo>
+                  <a:pt x="412" y="731"/>
+                </a:lnTo>
+                <a:lnTo>
+                  <a:pt x="409" y="727"/>
+                </a:lnTo>
+                <a:lnTo>
+                  <a:pt x="407" y="720"/>
+                </a:lnTo>
+                <a:lnTo>
+                  <a:pt x="406" y="715"/>
+                </a:lnTo>
+                <a:lnTo>
+                  <a:pt x="405" y="710"/>
+                </a:lnTo>
+                <a:lnTo>
+                  <a:pt x="405" y="703"/>
+                </a:lnTo>
+                <a:lnTo>
+                  <a:pt x="405" y="697"/>
+                </a:lnTo>
+                <a:lnTo>
+                  <a:pt x="406" y="692"/>
+                </a:lnTo>
+                <a:lnTo>
+                  <a:pt x="407" y="685"/>
+                </a:lnTo>
+                <a:lnTo>
+                  <a:pt x="409" y="680"/>
+                </a:lnTo>
+                <a:lnTo>
+                  <a:pt x="412" y="674"/>
+                </a:lnTo>
+                <a:lnTo>
+                  <a:pt x="414" y="670"/>
+                </a:lnTo>
+                <a:lnTo>
+                  <a:pt x="419" y="665"/>
+                </a:lnTo>
+                <a:lnTo>
+                  <a:pt x="422" y="661"/>
+                </a:lnTo>
+                <a:lnTo>
+                  <a:pt x="426" y="657"/>
+                </a:lnTo>
+                <a:lnTo>
+                  <a:pt x="430" y="653"/>
+                </a:lnTo>
+                <a:lnTo>
+                  <a:pt x="436" y="651"/>
+                </a:lnTo>
+                <a:lnTo>
+                  <a:pt x="441" y="648"/>
+                </a:lnTo>
+                <a:lnTo>
+                  <a:pt x="446" y="646"/>
+                </a:lnTo>
+                <a:lnTo>
+                  <a:pt x="452" y="645"/>
+                </a:lnTo>
+                <a:lnTo>
+                  <a:pt x="458" y="643"/>
+                </a:lnTo>
+                <a:lnTo>
+                  <a:pt x="465" y="643"/>
+                </a:lnTo>
+                <a:lnTo>
+                  <a:pt x="470" y="643"/>
+                </a:lnTo>
+                <a:lnTo>
+                  <a:pt x="476" y="645"/>
+                </a:lnTo>
+                <a:lnTo>
+                  <a:pt x="482" y="646"/>
+                </a:lnTo>
+                <a:lnTo>
+                  <a:pt x="487" y="648"/>
+                </a:lnTo>
+                <a:lnTo>
+                  <a:pt x="492" y="651"/>
+                </a:lnTo>
+                <a:lnTo>
+                  <a:pt x="498" y="653"/>
+                </a:lnTo>
+                <a:lnTo>
+                  <a:pt x="502" y="657"/>
+                </a:lnTo>
+                <a:lnTo>
+                  <a:pt x="506" y="661"/>
+                </a:lnTo>
+                <a:lnTo>
+                  <a:pt x="511" y="665"/>
+                </a:lnTo>
+                <a:lnTo>
+                  <a:pt x="514" y="670"/>
+                </a:lnTo>
+                <a:lnTo>
+                  <a:pt x="517" y="674"/>
+                </a:lnTo>
+                <a:lnTo>
+                  <a:pt x="519" y="680"/>
+                </a:lnTo>
+                <a:lnTo>
+                  <a:pt x="521" y="685"/>
+                </a:lnTo>
+                <a:lnTo>
+                  <a:pt x="522" y="692"/>
+                </a:lnTo>
+                <a:lnTo>
+                  <a:pt x="524" y="697"/>
+                </a:lnTo>
+                <a:lnTo>
+                  <a:pt x="525" y="703"/>
+                </a:lnTo>
+                <a:lnTo>
+                  <a:pt x="524" y="710"/>
+                </a:lnTo>
+                <a:lnTo>
+                  <a:pt x="522" y="715"/>
+                </a:lnTo>
+                <a:lnTo>
+                  <a:pt x="521" y="720"/>
+                </a:lnTo>
+                <a:lnTo>
+                  <a:pt x="519" y="727"/>
+                </a:lnTo>
+                <a:lnTo>
+                  <a:pt x="517" y="731"/>
+                </a:lnTo>
+                <a:lnTo>
+                  <a:pt x="514" y="737"/>
+                </a:lnTo>
+                <a:lnTo>
+                  <a:pt x="511" y="741"/>
+                </a:lnTo>
+                <a:lnTo>
+                  <a:pt x="506" y="745"/>
+                </a:lnTo>
+                <a:lnTo>
+                  <a:pt x="502" y="749"/>
+                </a:lnTo>
+                <a:lnTo>
+                  <a:pt x="498" y="753"/>
+                </a:lnTo>
+                <a:lnTo>
+                  <a:pt x="492" y="756"/>
+                </a:lnTo>
+                <a:lnTo>
+                  <a:pt x="487" y="758"/>
+                </a:lnTo>
+                <a:lnTo>
+                  <a:pt x="482" y="760"/>
+                </a:lnTo>
+                <a:lnTo>
+                  <a:pt x="476" y="762"/>
+                </a:lnTo>
+                <a:lnTo>
+                  <a:pt x="470" y="762"/>
+                </a:lnTo>
+                <a:lnTo>
+                  <a:pt x="465" y="763"/>
+                </a:lnTo>
+                <a:close/>
+                <a:moveTo>
+                  <a:pt x="330" y="404"/>
+                </a:moveTo>
+                <a:lnTo>
+                  <a:pt x="330" y="407"/>
+                </a:lnTo>
+                <a:lnTo>
+                  <a:pt x="329" y="410"/>
+                </a:lnTo>
+                <a:lnTo>
+                  <a:pt x="328" y="412"/>
+                </a:lnTo>
+                <a:lnTo>
+                  <a:pt x="326" y="414"/>
+                </a:lnTo>
+                <a:lnTo>
+                  <a:pt x="323" y="417"/>
+                </a:lnTo>
+                <a:lnTo>
+                  <a:pt x="320" y="418"/>
+                </a:lnTo>
+                <a:lnTo>
+                  <a:pt x="318" y="419"/>
+                </a:lnTo>
+                <a:lnTo>
+                  <a:pt x="315" y="419"/>
+                </a:lnTo>
+                <a:lnTo>
+                  <a:pt x="270" y="419"/>
+                </a:lnTo>
+                <a:lnTo>
+                  <a:pt x="270" y="543"/>
+                </a:lnTo>
+                <a:lnTo>
+                  <a:pt x="270" y="546"/>
+                </a:lnTo>
+                <a:lnTo>
+                  <a:pt x="269" y="549"/>
+                </a:lnTo>
+                <a:lnTo>
+                  <a:pt x="268" y="551"/>
+                </a:lnTo>
+                <a:lnTo>
+                  <a:pt x="266" y="554"/>
+                </a:lnTo>
+                <a:lnTo>
+                  <a:pt x="263" y="556"/>
+                </a:lnTo>
+                <a:lnTo>
+                  <a:pt x="260" y="557"/>
+                </a:lnTo>
+                <a:lnTo>
+                  <a:pt x="258" y="558"/>
+                </a:lnTo>
+                <a:lnTo>
+                  <a:pt x="255" y="558"/>
+                </a:lnTo>
+                <a:lnTo>
+                  <a:pt x="252" y="558"/>
+                </a:lnTo>
+                <a:lnTo>
+                  <a:pt x="250" y="557"/>
+                </a:lnTo>
+                <a:lnTo>
+                  <a:pt x="246" y="556"/>
+                </a:lnTo>
+                <a:lnTo>
+                  <a:pt x="244" y="554"/>
+                </a:lnTo>
+                <a:lnTo>
+                  <a:pt x="242" y="551"/>
+                </a:lnTo>
+                <a:lnTo>
+                  <a:pt x="241" y="549"/>
+                </a:lnTo>
+                <a:lnTo>
+                  <a:pt x="240" y="546"/>
+                </a:lnTo>
+                <a:lnTo>
+                  <a:pt x="240" y="543"/>
+                </a:lnTo>
+                <a:lnTo>
+                  <a:pt x="240" y="419"/>
+                </a:lnTo>
+                <a:lnTo>
+                  <a:pt x="195" y="419"/>
+                </a:lnTo>
+                <a:lnTo>
+                  <a:pt x="192" y="419"/>
+                </a:lnTo>
+                <a:lnTo>
+                  <a:pt x="190" y="418"/>
+                </a:lnTo>
+                <a:lnTo>
+                  <a:pt x="186" y="417"/>
+                </a:lnTo>
+                <a:lnTo>
+                  <a:pt x="184" y="414"/>
+                </a:lnTo>
+                <a:lnTo>
+                  <a:pt x="183" y="412"/>
+                </a:lnTo>
+                <a:lnTo>
+                  <a:pt x="181" y="410"/>
+                </a:lnTo>
+                <a:lnTo>
+                  <a:pt x="180" y="407"/>
+                </a:lnTo>
+                <a:lnTo>
+                  <a:pt x="180" y="404"/>
+                </a:lnTo>
+                <a:lnTo>
+                  <a:pt x="180" y="344"/>
+                </a:lnTo>
+                <a:lnTo>
+                  <a:pt x="180" y="342"/>
+                </a:lnTo>
+                <a:lnTo>
+                  <a:pt x="181" y="339"/>
+                </a:lnTo>
+                <a:lnTo>
+                  <a:pt x="183" y="336"/>
+                </a:lnTo>
+                <a:lnTo>
+                  <a:pt x="184" y="334"/>
+                </a:lnTo>
+                <a:lnTo>
+                  <a:pt x="186" y="332"/>
+                </a:lnTo>
+                <a:lnTo>
+                  <a:pt x="190" y="331"/>
+                </a:lnTo>
+                <a:lnTo>
+                  <a:pt x="192" y="330"/>
+                </a:lnTo>
+                <a:lnTo>
+                  <a:pt x="195" y="329"/>
+                </a:lnTo>
+                <a:lnTo>
+                  <a:pt x="240" y="329"/>
+                </a:lnTo>
+                <a:lnTo>
+                  <a:pt x="240" y="129"/>
+                </a:lnTo>
+                <a:lnTo>
+                  <a:pt x="240" y="126"/>
+                </a:lnTo>
+                <a:lnTo>
+                  <a:pt x="241" y="123"/>
+                </a:lnTo>
+                <a:lnTo>
+                  <a:pt x="242" y="121"/>
+                </a:lnTo>
+                <a:lnTo>
+                  <a:pt x="244" y="118"/>
+                </a:lnTo>
+                <a:lnTo>
+                  <a:pt x="246" y="117"/>
+                </a:lnTo>
+                <a:lnTo>
+                  <a:pt x="250" y="115"/>
+                </a:lnTo>
+                <a:lnTo>
+                  <a:pt x="252" y="114"/>
+                </a:lnTo>
+                <a:lnTo>
+                  <a:pt x="255" y="114"/>
+                </a:lnTo>
+                <a:lnTo>
+                  <a:pt x="258" y="114"/>
+                </a:lnTo>
+                <a:lnTo>
+                  <a:pt x="260" y="115"/>
+                </a:lnTo>
+                <a:lnTo>
+                  <a:pt x="263" y="117"/>
+                </a:lnTo>
+                <a:lnTo>
+                  <a:pt x="266" y="118"/>
+                </a:lnTo>
+                <a:lnTo>
+                  <a:pt x="268" y="121"/>
+                </a:lnTo>
+                <a:lnTo>
+                  <a:pt x="269" y="123"/>
+                </a:lnTo>
+                <a:lnTo>
+                  <a:pt x="270" y="127"/>
+                </a:lnTo>
+                <a:lnTo>
+                  <a:pt x="270" y="129"/>
+                </a:lnTo>
+                <a:lnTo>
+                  <a:pt x="270" y="329"/>
+                </a:lnTo>
+                <a:lnTo>
+                  <a:pt x="315" y="329"/>
+                </a:lnTo>
+                <a:lnTo>
+                  <a:pt x="318" y="330"/>
+                </a:lnTo>
+                <a:lnTo>
+                  <a:pt x="320" y="331"/>
+                </a:lnTo>
+                <a:lnTo>
+                  <a:pt x="323" y="332"/>
+                </a:lnTo>
+                <a:lnTo>
+                  <a:pt x="326" y="334"/>
+                </a:lnTo>
+                <a:lnTo>
+                  <a:pt x="328" y="336"/>
+                </a:lnTo>
+                <a:lnTo>
+                  <a:pt x="329" y="339"/>
+                </a:lnTo>
+                <a:lnTo>
+                  <a:pt x="330" y="342"/>
+                </a:lnTo>
+                <a:lnTo>
+                  <a:pt x="330" y="344"/>
+                </a:lnTo>
+                <a:lnTo>
+                  <a:pt x="330" y="404"/>
+                </a:lnTo>
+                <a:close/>
+                <a:moveTo>
+                  <a:pt x="255" y="763"/>
+                </a:moveTo>
+                <a:lnTo>
+                  <a:pt x="249" y="762"/>
+                </a:lnTo>
+                <a:lnTo>
+                  <a:pt x="243" y="762"/>
+                </a:lnTo>
+                <a:lnTo>
+                  <a:pt x="237" y="760"/>
+                </a:lnTo>
+                <a:lnTo>
+                  <a:pt x="231" y="758"/>
+                </a:lnTo>
+                <a:lnTo>
+                  <a:pt x="226" y="756"/>
+                </a:lnTo>
+                <a:lnTo>
+                  <a:pt x="222" y="753"/>
+                </a:lnTo>
+                <a:lnTo>
+                  <a:pt x="216" y="749"/>
+                </a:lnTo>
+                <a:lnTo>
+                  <a:pt x="212" y="745"/>
+                </a:lnTo>
+                <a:lnTo>
+                  <a:pt x="209" y="741"/>
+                </a:lnTo>
+                <a:lnTo>
+                  <a:pt x="206" y="737"/>
+                </a:lnTo>
+                <a:lnTo>
+                  <a:pt x="203" y="731"/>
+                </a:lnTo>
+                <a:lnTo>
+                  <a:pt x="200" y="727"/>
+                </a:lnTo>
+                <a:lnTo>
+                  <a:pt x="198" y="720"/>
+                </a:lnTo>
+                <a:lnTo>
+                  <a:pt x="196" y="715"/>
+                </a:lnTo>
+                <a:lnTo>
+                  <a:pt x="195" y="710"/>
+                </a:lnTo>
+                <a:lnTo>
+                  <a:pt x="195" y="703"/>
+                </a:lnTo>
+                <a:lnTo>
+                  <a:pt x="195" y="697"/>
+                </a:lnTo>
+                <a:lnTo>
+                  <a:pt x="196" y="692"/>
+                </a:lnTo>
+                <a:lnTo>
+                  <a:pt x="198" y="685"/>
+                </a:lnTo>
+                <a:lnTo>
+                  <a:pt x="200" y="680"/>
+                </a:lnTo>
+                <a:lnTo>
+                  <a:pt x="203" y="674"/>
+                </a:lnTo>
+                <a:lnTo>
+                  <a:pt x="206" y="670"/>
+                </a:lnTo>
+                <a:lnTo>
+                  <a:pt x="209" y="665"/>
+                </a:lnTo>
+                <a:lnTo>
+                  <a:pt x="212" y="661"/>
+                </a:lnTo>
+                <a:lnTo>
+                  <a:pt x="216" y="657"/>
+                </a:lnTo>
+                <a:lnTo>
+                  <a:pt x="222" y="653"/>
+                </a:lnTo>
+                <a:lnTo>
+                  <a:pt x="226" y="651"/>
+                </a:lnTo>
+                <a:lnTo>
+                  <a:pt x="231" y="648"/>
+                </a:lnTo>
+                <a:lnTo>
+                  <a:pt x="237" y="646"/>
+                </a:lnTo>
+                <a:lnTo>
+                  <a:pt x="243" y="645"/>
+                </a:lnTo>
+                <a:lnTo>
+                  <a:pt x="249" y="643"/>
+                </a:lnTo>
+                <a:lnTo>
+                  <a:pt x="255" y="643"/>
+                </a:lnTo>
+                <a:lnTo>
+                  <a:pt x="261" y="643"/>
+                </a:lnTo>
+                <a:lnTo>
+                  <a:pt x="267" y="645"/>
+                </a:lnTo>
+                <a:lnTo>
+                  <a:pt x="273" y="646"/>
+                </a:lnTo>
+                <a:lnTo>
+                  <a:pt x="278" y="648"/>
+                </a:lnTo>
+                <a:lnTo>
+                  <a:pt x="284" y="651"/>
+                </a:lnTo>
+                <a:lnTo>
+                  <a:pt x="288" y="653"/>
+                </a:lnTo>
+                <a:lnTo>
+                  <a:pt x="293" y="657"/>
+                </a:lnTo>
+                <a:lnTo>
+                  <a:pt x="298" y="661"/>
+                </a:lnTo>
+                <a:lnTo>
+                  <a:pt x="301" y="665"/>
+                </a:lnTo>
+                <a:lnTo>
+                  <a:pt x="304" y="670"/>
+                </a:lnTo>
+                <a:lnTo>
+                  <a:pt x="307" y="674"/>
+                </a:lnTo>
+                <a:lnTo>
+                  <a:pt x="311" y="680"/>
+                </a:lnTo>
+                <a:lnTo>
+                  <a:pt x="312" y="685"/>
+                </a:lnTo>
+                <a:lnTo>
+                  <a:pt x="314" y="692"/>
+                </a:lnTo>
+                <a:lnTo>
+                  <a:pt x="315" y="697"/>
+                </a:lnTo>
+                <a:lnTo>
+                  <a:pt x="315" y="703"/>
+                </a:lnTo>
+                <a:lnTo>
+                  <a:pt x="315" y="710"/>
+                </a:lnTo>
+                <a:lnTo>
+                  <a:pt x="314" y="715"/>
+                </a:lnTo>
+                <a:lnTo>
+                  <a:pt x="312" y="720"/>
+                </a:lnTo>
+                <a:lnTo>
+                  <a:pt x="311" y="727"/>
+                </a:lnTo>
+                <a:lnTo>
+                  <a:pt x="307" y="731"/>
+                </a:lnTo>
+                <a:lnTo>
+                  <a:pt x="304" y="737"/>
+                </a:lnTo>
+                <a:lnTo>
+                  <a:pt x="301" y="741"/>
+                </a:lnTo>
+                <a:lnTo>
+                  <a:pt x="298" y="745"/>
+                </a:lnTo>
+                <a:lnTo>
+                  <a:pt x="293" y="749"/>
+                </a:lnTo>
+                <a:lnTo>
+                  <a:pt x="288" y="753"/>
+                </a:lnTo>
+                <a:lnTo>
+                  <a:pt x="284" y="756"/>
+                </a:lnTo>
+                <a:lnTo>
+                  <a:pt x="278" y="758"/>
+                </a:lnTo>
+                <a:lnTo>
+                  <a:pt x="273" y="760"/>
+                </a:lnTo>
+                <a:lnTo>
+                  <a:pt x="267" y="762"/>
+                </a:lnTo>
+                <a:lnTo>
+                  <a:pt x="261" y="762"/>
+                </a:lnTo>
+                <a:lnTo>
+                  <a:pt x="255" y="763"/>
+                </a:lnTo>
+                <a:close/>
+                <a:moveTo>
+                  <a:pt x="883" y="0"/>
+                </a:moveTo>
+                <a:lnTo>
+                  <a:pt x="15" y="0"/>
+                </a:lnTo>
+                <a:lnTo>
+                  <a:pt x="13" y="0"/>
+                </a:lnTo>
+                <a:lnTo>
+                  <a:pt x="10" y="2"/>
+                </a:lnTo>
+                <a:lnTo>
+                  <a:pt x="8" y="3"/>
+                </a:lnTo>
+                <a:lnTo>
+                  <a:pt x="6" y="5"/>
+                </a:lnTo>
+                <a:lnTo>
+                  <a:pt x="3" y="7"/>
+                </a:lnTo>
+                <a:lnTo>
+                  <a:pt x="2" y="10"/>
+                </a:lnTo>
+                <a:lnTo>
+                  <a:pt x="1" y="12"/>
+                </a:lnTo>
+                <a:lnTo>
+                  <a:pt x="0" y="15"/>
+                </a:lnTo>
+                <a:lnTo>
+                  <a:pt x="0" y="883"/>
+                </a:lnTo>
+                <a:lnTo>
+                  <a:pt x="1" y="886"/>
+                </a:lnTo>
+                <a:lnTo>
+                  <a:pt x="2" y="888"/>
+                </a:lnTo>
+                <a:lnTo>
+                  <a:pt x="3" y="892"/>
+                </a:lnTo>
+                <a:lnTo>
+                  <a:pt x="6" y="894"/>
+                </a:lnTo>
+                <a:lnTo>
+                  <a:pt x="8" y="895"/>
+                </a:lnTo>
+                <a:lnTo>
+                  <a:pt x="10" y="897"/>
+                </a:lnTo>
+                <a:lnTo>
+                  <a:pt x="13" y="897"/>
+                </a:lnTo>
+                <a:lnTo>
+                  <a:pt x="15" y="898"/>
+                </a:lnTo>
+                <a:lnTo>
+                  <a:pt x="883" y="898"/>
+                </a:lnTo>
+                <a:lnTo>
+                  <a:pt x="886" y="897"/>
+                </a:lnTo>
+                <a:lnTo>
+                  <a:pt x="888" y="897"/>
+                </a:lnTo>
+                <a:lnTo>
+                  <a:pt x="892" y="895"/>
+                </a:lnTo>
+                <a:lnTo>
+                  <a:pt x="894" y="894"/>
+                </a:lnTo>
+                <a:lnTo>
+                  <a:pt x="896" y="892"/>
+                </a:lnTo>
+                <a:lnTo>
+                  <a:pt x="897" y="888"/>
+                </a:lnTo>
+                <a:lnTo>
+                  <a:pt x="898" y="886"/>
+                </a:lnTo>
+                <a:lnTo>
+                  <a:pt x="898" y="883"/>
+                </a:lnTo>
+                <a:lnTo>
+                  <a:pt x="898" y="15"/>
+                </a:lnTo>
+                <a:lnTo>
+                  <a:pt x="898" y="12"/>
+                </a:lnTo>
+                <a:lnTo>
+                  <a:pt x="897" y="10"/>
+                </a:lnTo>
+                <a:lnTo>
+                  <a:pt x="896" y="7"/>
+                </a:lnTo>
+                <a:lnTo>
+                  <a:pt x="894" y="5"/>
+                </a:lnTo>
+                <a:lnTo>
+                  <a:pt x="892" y="3"/>
+                </a:lnTo>
+                <a:lnTo>
+                  <a:pt x="888" y="2"/>
+                </a:lnTo>
+                <a:lnTo>
+                  <a:pt x="886" y="0"/>
+                </a:lnTo>
+                <a:lnTo>
+                  <a:pt x="883" y="0"/>
+                </a:lnTo>
+                <a:close/>
+              </a:path>
+            </a:pathLst>
+          </a:custGeom>
+          <a:solidFill>
+            <a:schemeClr val="bg1"/>
+          </a:solidFill>
+          <a:ln>
+            <a:noFill/>
+          </a:ln>
+          <a:extLst/>
+        </p:spPr>
+        <p:txBody>
+          <a:bodyPr vert="horz" wrap="square" lIns="91440" tIns="45720" rIns="91440" bIns="45720" numCol="1" rtlCol="0" anchor="t" anchorCtr="0" compatLnSpc="1">
+            <a:prstTxWarp prst="textNoShape">
+              <a:avLst/>
+            </a:prstTxWarp>
+          </a:bodyPr>
+          <a:lstStyle/>
+          <a:p>
+            <a:pPr rtl="0"/>
+            <a:endParaRPr lang="fr-FR" dirty="0"/>
+          </a:p>
+        </p:txBody>
+      </p:sp>
+      <p:sp>
+        <p:nvSpPr>
+          <p:cNvPr id="49" name="Rectangle : Coins arrondis 18">
+            <a:extLst>
+              <a:ext uri="{FF2B5EF4-FFF2-40B4-BE49-F238E27FC236}">
+                <a16:creationId xmlns:a16="http://schemas.microsoft.com/office/drawing/2014/main" id="{EB7F2E37-0ACF-4E8A-9C1D-EC5B65BA2906}"/>
+              </a:ext>
+              <a:ext uri="{C183D7F6-B498-43B3-948B-1728B52AA6E4}">
+                <adec:decorative xmlns="" xmlns:adec="http://schemas.microsoft.com/office/drawing/2017/decorative" val="1"/>
+              </a:ext>
+            </a:extLst>
+          </p:cNvPr>
+          <p:cNvSpPr/>
+          <p:nvPr/>
+        </p:nvSpPr>
+        <p:spPr>
+          <a:xfrm>
+            <a:off x="7293688" y="5200270"/>
+            <a:ext cx="3660775" cy="740997"/>
+          </a:xfrm>
+          <a:prstGeom prst="roundRect">
+            <a:avLst>
+              <a:gd name="adj" fmla="val 50000"/>
+            </a:avLst>
+          </a:prstGeom>
+          <a:solidFill>
+            <a:schemeClr val="accent3">
+              <a:lumMod val="75000"/>
+            </a:schemeClr>
+          </a:solidFill>
+          <a:ln>
+            <a:noFill/>
+          </a:ln>
+        </p:spPr>
+        <p:style>
+          <a:lnRef idx="2">
+            <a:schemeClr val="accent1">
+              <a:shade val="50000"/>
+            </a:schemeClr>
+          </a:lnRef>
+          <a:fillRef idx="1">
+            <a:schemeClr val="accent1"/>
+          </a:fillRef>
+          <a:effectRef idx="0">
+            <a:schemeClr val="accent1"/>
+          </a:effectRef>
+          <a:fontRef idx="minor">
+            <a:schemeClr val="lt1"/>
+          </a:fontRef>
+        </p:style>
+        <p:txBody>
+          <a:bodyPr rtlCol="0" anchor="ctr"/>
+          <a:lstStyle/>
+          <a:p>
+            <a:pPr algn="ctr" rtl="0"/>
+            <a:r>
+              <a:rPr lang="fr-FR" sz="2400" b="1" dirty="0" smtClean="0"/>
+              <a:t>ANNEXES</a:t>
+            </a:r>
+            <a:endParaRPr lang="fr-FR" sz="2400" b="1" dirty="0"/>
+          </a:p>
+        </p:txBody>
+      </p:sp>
+      <p:sp>
+        <p:nvSpPr>
+          <p:cNvPr id="50" name="Ovale 19">
+            <a:extLst>
+              <a:ext uri="{FF2B5EF4-FFF2-40B4-BE49-F238E27FC236}">
+                <a16:creationId xmlns:a16="http://schemas.microsoft.com/office/drawing/2014/main" id="{88F812F5-70AF-4FBD-80D9-D59B3C456D5E}"/>
+              </a:ext>
+              <a:ext uri="{C183D7F6-B498-43B3-948B-1728B52AA6E4}">
+                <adec:decorative xmlns="" xmlns:adec="http://schemas.microsoft.com/office/drawing/2017/decorative" val="1"/>
+              </a:ext>
+            </a:extLst>
+          </p:cNvPr>
+          <p:cNvSpPr/>
+          <p:nvPr/>
+        </p:nvSpPr>
+        <p:spPr>
+          <a:xfrm>
+            <a:off x="7090927" y="5100868"/>
+            <a:ext cx="939800" cy="939800"/>
+          </a:xfrm>
+          <a:prstGeom prst="ellipse">
+            <a:avLst/>
+          </a:prstGeom>
+          <a:solidFill>
+            <a:schemeClr val="accent3"/>
+          </a:solidFill>
+          <a:ln>
+            <a:noFill/>
+          </a:ln>
+        </p:spPr>
+        <p:style>
+          <a:lnRef idx="2">
+            <a:schemeClr val="accent1">
+              <a:shade val="50000"/>
+            </a:schemeClr>
+          </a:lnRef>
+          <a:fillRef idx="1">
+            <a:schemeClr val="accent1"/>
+          </a:fillRef>
+          <a:effectRef idx="0">
+            <a:schemeClr val="accent1"/>
+          </a:effectRef>
+          <a:fontRef idx="minor">
+            <a:schemeClr val="lt1"/>
+          </a:fontRef>
+        </p:style>
+        <p:txBody>
+          <a:bodyPr rtlCol="0" anchor="ctr"/>
+          <a:lstStyle/>
+          <a:p>
+            <a:pPr algn="ctr" rtl="0"/>
+            <a:endParaRPr lang="fr-FR" dirty="0"/>
+          </a:p>
+        </p:txBody>
+      </p:sp>
+      <p:sp>
+        <p:nvSpPr>
+          <p:cNvPr id="51" name="Forme libre 1676" descr="Icône de case à cocher. ">
+            <a:extLst>
+              <a:ext uri="{FF2B5EF4-FFF2-40B4-BE49-F238E27FC236}">
+                <a16:creationId xmlns:a16="http://schemas.microsoft.com/office/drawing/2014/main" id="{6FB02354-C73F-4DCF-8004-E9CCA66963EA}"/>
+              </a:ext>
+            </a:extLst>
+          </p:cNvPr>
+          <p:cNvSpPr>
+            <a:spLocks noEditPoints="1"/>
+          </p:cNvSpPr>
+          <p:nvPr/>
+        </p:nvSpPr>
+        <p:spPr bwMode="auto">
+          <a:xfrm>
+            <a:off x="7402233" y="5389971"/>
+            <a:ext cx="345758" cy="345758"/>
+          </a:xfrm>
+          <a:custGeom>
+            <a:avLst/>
+            <a:gdLst>
+              <a:gd name="T0" fmla="*/ 374 w 719"/>
+              <a:gd name="T1" fmla="*/ 267 h 719"/>
+              <a:gd name="T2" fmla="*/ 366 w 719"/>
+              <a:gd name="T3" fmla="*/ 263 h 719"/>
+              <a:gd name="T4" fmla="*/ 362 w 719"/>
+              <a:gd name="T5" fmla="*/ 254 h 719"/>
+              <a:gd name="T6" fmla="*/ 366 w 719"/>
+              <a:gd name="T7" fmla="*/ 247 h 719"/>
+              <a:gd name="T8" fmla="*/ 374 w 719"/>
+              <a:gd name="T9" fmla="*/ 243 h 719"/>
+              <a:gd name="T10" fmla="*/ 621 w 719"/>
+              <a:gd name="T11" fmla="*/ 244 h 719"/>
+              <a:gd name="T12" fmla="*/ 627 w 719"/>
+              <a:gd name="T13" fmla="*/ 250 h 719"/>
+              <a:gd name="T14" fmla="*/ 627 w 719"/>
+              <a:gd name="T15" fmla="*/ 260 h 719"/>
+              <a:gd name="T16" fmla="*/ 621 w 719"/>
+              <a:gd name="T17" fmla="*/ 265 h 719"/>
+              <a:gd name="T18" fmla="*/ 616 w 719"/>
+              <a:gd name="T19" fmla="*/ 528 h 719"/>
+              <a:gd name="T20" fmla="*/ 370 w 719"/>
+              <a:gd name="T21" fmla="*/ 527 h 719"/>
+              <a:gd name="T22" fmla="*/ 363 w 719"/>
+              <a:gd name="T23" fmla="*/ 521 h 719"/>
+              <a:gd name="T24" fmla="*/ 363 w 719"/>
+              <a:gd name="T25" fmla="*/ 512 h 719"/>
+              <a:gd name="T26" fmla="*/ 370 w 719"/>
+              <a:gd name="T27" fmla="*/ 505 h 719"/>
+              <a:gd name="T28" fmla="*/ 616 w 719"/>
+              <a:gd name="T29" fmla="*/ 504 h 719"/>
+              <a:gd name="T30" fmla="*/ 625 w 719"/>
+              <a:gd name="T31" fmla="*/ 507 h 719"/>
+              <a:gd name="T32" fmla="*/ 628 w 719"/>
+              <a:gd name="T33" fmla="*/ 516 h 719"/>
+              <a:gd name="T34" fmla="*/ 625 w 719"/>
+              <a:gd name="T35" fmla="*/ 525 h 719"/>
+              <a:gd name="T36" fmla="*/ 616 w 719"/>
+              <a:gd name="T37" fmla="*/ 528 h 719"/>
+              <a:gd name="T38" fmla="*/ 171 w 719"/>
+              <a:gd name="T39" fmla="*/ 279 h 719"/>
+              <a:gd name="T40" fmla="*/ 164 w 719"/>
+              <a:gd name="T41" fmla="*/ 282 h 719"/>
+              <a:gd name="T42" fmla="*/ 155 w 719"/>
+              <a:gd name="T43" fmla="*/ 279 h 719"/>
+              <a:gd name="T44" fmla="*/ 92 w 719"/>
+              <a:gd name="T45" fmla="*/ 214 h 719"/>
+              <a:gd name="T46" fmla="*/ 92 w 719"/>
+              <a:gd name="T47" fmla="*/ 205 h 719"/>
+              <a:gd name="T48" fmla="*/ 98 w 719"/>
+              <a:gd name="T49" fmla="*/ 198 h 719"/>
+              <a:gd name="T50" fmla="*/ 107 w 719"/>
+              <a:gd name="T51" fmla="*/ 198 h 719"/>
+              <a:gd name="T52" fmla="*/ 164 w 719"/>
+              <a:gd name="T53" fmla="*/ 253 h 719"/>
+              <a:gd name="T54" fmla="*/ 309 w 719"/>
+              <a:gd name="T55" fmla="*/ 109 h 719"/>
+              <a:gd name="T56" fmla="*/ 318 w 719"/>
+              <a:gd name="T57" fmla="*/ 109 h 719"/>
+              <a:gd name="T58" fmla="*/ 325 w 719"/>
+              <a:gd name="T59" fmla="*/ 114 h 719"/>
+              <a:gd name="T60" fmla="*/ 325 w 719"/>
+              <a:gd name="T61" fmla="*/ 124 h 719"/>
+              <a:gd name="T62" fmla="*/ 323 w 719"/>
+              <a:gd name="T63" fmla="*/ 414 h 719"/>
+              <a:gd name="T64" fmla="*/ 168 w 719"/>
+              <a:gd name="T65" fmla="*/ 568 h 719"/>
+              <a:gd name="T66" fmla="*/ 158 w 719"/>
+              <a:gd name="T67" fmla="*/ 568 h 719"/>
+              <a:gd name="T68" fmla="*/ 94 w 719"/>
+              <a:gd name="T69" fmla="*/ 505 h 719"/>
+              <a:gd name="T70" fmla="*/ 91 w 719"/>
+              <a:gd name="T71" fmla="*/ 497 h 719"/>
+              <a:gd name="T72" fmla="*/ 94 w 719"/>
+              <a:gd name="T73" fmla="*/ 488 h 719"/>
+              <a:gd name="T74" fmla="*/ 103 w 719"/>
+              <a:gd name="T75" fmla="*/ 485 h 719"/>
+              <a:gd name="T76" fmla="*/ 111 w 719"/>
+              <a:gd name="T77" fmla="*/ 488 h 719"/>
+              <a:gd name="T78" fmla="*/ 306 w 719"/>
+              <a:gd name="T79" fmla="*/ 397 h 719"/>
+              <a:gd name="T80" fmla="*/ 314 w 719"/>
+              <a:gd name="T81" fmla="*/ 394 h 719"/>
+              <a:gd name="T82" fmla="*/ 323 w 719"/>
+              <a:gd name="T83" fmla="*/ 398 h 719"/>
+              <a:gd name="T84" fmla="*/ 326 w 719"/>
+              <a:gd name="T85" fmla="*/ 406 h 719"/>
+              <a:gd name="T86" fmla="*/ 323 w 719"/>
+              <a:gd name="T87" fmla="*/ 414 h 719"/>
+              <a:gd name="T88" fmla="*/ 12 w 719"/>
+              <a:gd name="T89" fmla="*/ 0 h 719"/>
+              <a:gd name="T90" fmla="*/ 3 w 719"/>
+              <a:gd name="T91" fmla="*/ 5 h 719"/>
+              <a:gd name="T92" fmla="*/ 0 w 719"/>
+              <a:gd name="T93" fmla="*/ 13 h 719"/>
+              <a:gd name="T94" fmla="*/ 1 w 719"/>
+              <a:gd name="T95" fmla="*/ 713 h 719"/>
+              <a:gd name="T96" fmla="*/ 8 w 719"/>
+              <a:gd name="T97" fmla="*/ 719 h 719"/>
+              <a:gd name="T98" fmla="*/ 707 w 719"/>
+              <a:gd name="T99" fmla="*/ 719 h 719"/>
+              <a:gd name="T100" fmla="*/ 716 w 719"/>
+              <a:gd name="T101" fmla="*/ 716 h 719"/>
+              <a:gd name="T102" fmla="*/ 719 w 719"/>
+              <a:gd name="T103" fmla="*/ 707 h 719"/>
+              <a:gd name="T104" fmla="*/ 718 w 719"/>
+              <a:gd name="T105" fmla="*/ 8 h 719"/>
+              <a:gd name="T106" fmla="*/ 711 w 719"/>
+              <a:gd name="T107" fmla="*/ 2 h 719"/>
+            </a:gdLst>
+            <a:ahLst/>
+            <a:cxnLst>
+              <a:cxn ang="0">
+                <a:pos x="T0" y="T1"/>
+              </a:cxn>
+              <a:cxn ang="0">
+                <a:pos x="T2" y="T3"/>
+              </a:cxn>
+              <a:cxn ang="0">
+                <a:pos x="T4" y="T5"/>
+              </a:cxn>
+              <a:cxn ang="0">
+                <a:pos x="T6" y="T7"/>
+              </a:cxn>
+              <a:cxn ang="0">
+                <a:pos x="T8" y="T9"/>
+              </a:cxn>
+              <a:cxn ang="0">
+                <a:pos x="T10" y="T11"/>
+              </a:cxn>
+              <a:cxn ang="0">
+                <a:pos x="T12" y="T13"/>
+              </a:cxn>
+              <a:cxn ang="0">
+                <a:pos x="T14" y="T15"/>
+              </a:cxn>
+              <a:cxn ang="0">
+                <a:pos x="T16" y="T17"/>
+              </a:cxn>
+              <a:cxn ang="0">
+                <a:pos x="T18" y="T19"/>
+              </a:cxn>
+              <a:cxn ang="0">
+                <a:pos x="T20" y="T21"/>
+              </a:cxn>
+              <a:cxn ang="0">
+                <a:pos x="T22" y="T23"/>
+              </a:cxn>
+              <a:cxn ang="0">
+                <a:pos x="T24" y="T25"/>
+              </a:cxn>
+              <a:cxn ang="0">
+                <a:pos x="T26" y="T27"/>
+              </a:cxn>
+              <a:cxn ang="0">
+                <a:pos x="T28" y="T29"/>
+              </a:cxn>
+              <a:cxn ang="0">
+                <a:pos x="T30" y="T31"/>
+              </a:cxn>
+              <a:cxn ang="0">
+                <a:pos x="T32" y="T33"/>
+              </a:cxn>
+              <a:cxn ang="0">
+                <a:pos x="T34" y="T35"/>
+              </a:cxn>
+              <a:cxn ang="0">
+                <a:pos x="T36" y="T37"/>
+              </a:cxn>
+              <a:cxn ang="0">
+                <a:pos x="T38" y="T39"/>
+              </a:cxn>
+              <a:cxn ang="0">
+                <a:pos x="T40" y="T41"/>
+              </a:cxn>
+              <a:cxn ang="0">
+                <a:pos x="T42" y="T43"/>
+              </a:cxn>
+              <a:cxn ang="0">
+                <a:pos x="T44" y="T45"/>
+              </a:cxn>
+              <a:cxn ang="0">
+                <a:pos x="T46" y="T47"/>
+              </a:cxn>
+              <a:cxn ang="0">
+                <a:pos x="T48" y="T49"/>
+              </a:cxn>
+              <a:cxn ang="0">
+                <a:pos x="T50" y="T51"/>
+              </a:cxn>
+              <a:cxn ang="0">
+                <a:pos x="T52" y="T53"/>
+              </a:cxn>
+              <a:cxn ang="0">
+                <a:pos x="T54" y="T55"/>
+              </a:cxn>
+              <a:cxn ang="0">
+                <a:pos x="T56" y="T57"/>
+              </a:cxn>
+              <a:cxn ang="0">
+                <a:pos x="T58" y="T59"/>
+              </a:cxn>
+              <a:cxn ang="0">
+                <a:pos x="T60" y="T61"/>
+              </a:cxn>
+              <a:cxn ang="0">
+                <a:pos x="T62" y="T63"/>
+              </a:cxn>
+              <a:cxn ang="0">
+                <a:pos x="T64" y="T65"/>
+              </a:cxn>
+              <a:cxn ang="0">
+                <a:pos x="T66" y="T67"/>
+              </a:cxn>
+              <a:cxn ang="0">
+                <a:pos x="T68" y="T69"/>
+              </a:cxn>
+              <a:cxn ang="0">
+                <a:pos x="T70" y="T71"/>
+              </a:cxn>
+              <a:cxn ang="0">
+                <a:pos x="T72" y="T73"/>
+              </a:cxn>
+              <a:cxn ang="0">
+                <a:pos x="T74" y="T75"/>
+              </a:cxn>
+              <a:cxn ang="0">
+                <a:pos x="T76" y="T77"/>
+              </a:cxn>
+              <a:cxn ang="0">
+                <a:pos x="T78" y="T79"/>
+              </a:cxn>
+              <a:cxn ang="0">
+                <a:pos x="T80" y="T81"/>
+              </a:cxn>
+              <a:cxn ang="0">
+                <a:pos x="T82" y="T83"/>
+              </a:cxn>
+              <a:cxn ang="0">
+                <a:pos x="T84" y="T85"/>
+              </a:cxn>
+              <a:cxn ang="0">
+                <a:pos x="T86" y="T87"/>
+              </a:cxn>
+              <a:cxn ang="0">
+                <a:pos x="T88" y="T89"/>
+              </a:cxn>
+              <a:cxn ang="0">
+                <a:pos x="T90" y="T91"/>
+              </a:cxn>
+              <a:cxn ang="0">
+                <a:pos x="T92" y="T93"/>
+              </a:cxn>
+              <a:cxn ang="0">
+                <a:pos x="T94" y="T95"/>
+              </a:cxn>
+              <a:cxn ang="0">
+                <a:pos x="T96" y="T97"/>
+              </a:cxn>
+              <a:cxn ang="0">
+                <a:pos x="T98" y="T99"/>
+              </a:cxn>
+              <a:cxn ang="0">
+                <a:pos x="T100" y="T101"/>
+              </a:cxn>
+              <a:cxn ang="0">
+                <a:pos x="T102" y="T103"/>
+              </a:cxn>
+              <a:cxn ang="0">
+                <a:pos x="T104" y="T105"/>
+              </a:cxn>
+              <a:cxn ang="0">
+                <a:pos x="T106" y="T107"/>
+              </a:cxn>
+            </a:cxnLst>
+            <a:rect l="0" t="0" r="r" b="b"/>
+            <a:pathLst>
+              <a:path w="719" h="719">
+                <a:moveTo>
+                  <a:pt x="616" y="267"/>
+                </a:moveTo>
+                <a:lnTo>
+                  <a:pt x="374" y="267"/>
+                </a:lnTo>
+                <a:lnTo>
+                  <a:pt x="370" y="265"/>
+                </a:lnTo>
+                <a:lnTo>
+                  <a:pt x="366" y="263"/>
+                </a:lnTo>
+                <a:lnTo>
+                  <a:pt x="363" y="260"/>
+                </a:lnTo>
+                <a:lnTo>
+                  <a:pt x="362" y="254"/>
+                </a:lnTo>
+                <a:lnTo>
+                  <a:pt x="363" y="250"/>
+                </a:lnTo>
+                <a:lnTo>
+                  <a:pt x="366" y="247"/>
+                </a:lnTo>
+                <a:lnTo>
+                  <a:pt x="370" y="244"/>
+                </a:lnTo>
+                <a:lnTo>
+                  <a:pt x="374" y="243"/>
+                </a:lnTo>
+                <a:lnTo>
+                  <a:pt x="616" y="243"/>
+                </a:lnTo>
+                <a:lnTo>
+                  <a:pt x="621" y="244"/>
+                </a:lnTo>
+                <a:lnTo>
+                  <a:pt x="625" y="247"/>
+                </a:lnTo>
+                <a:lnTo>
+                  <a:pt x="627" y="250"/>
+                </a:lnTo>
+                <a:lnTo>
+                  <a:pt x="628" y="254"/>
+                </a:lnTo>
+                <a:lnTo>
+                  <a:pt x="627" y="260"/>
+                </a:lnTo>
+                <a:lnTo>
+                  <a:pt x="625" y="263"/>
+                </a:lnTo>
+                <a:lnTo>
+                  <a:pt x="621" y="265"/>
+                </a:lnTo>
+                <a:lnTo>
+                  <a:pt x="616" y="267"/>
+                </a:lnTo>
+                <a:close/>
+                <a:moveTo>
+                  <a:pt x="616" y="528"/>
+                </a:moveTo>
+                <a:lnTo>
+                  <a:pt x="374" y="528"/>
+                </a:lnTo>
+                <a:lnTo>
+                  <a:pt x="370" y="527"/>
+                </a:lnTo>
+                <a:lnTo>
+                  <a:pt x="366" y="525"/>
+                </a:lnTo>
+                <a:lnTo>
+                  <a:pt x="363" y="521"/>
+                </a:lnTo>
+                <a:lnTo>
+                  <a:pt x="362" y="516"/>
+                </a:lnTo>
+                <a:lnTo>
+                  <a:pt x="363" y="512"/>
+                </a:lnTo>
+                <a:lnTo>
+                  <a:pt x="366" y="507"/>
+                </a:lnTo>
+                <a:lnTo>
+                  <a:pt x="370" y="505"/>
+                </a:lnTo>
+                <a:lnTo>
+                  <a:pt x="374" y="504"/>
+                </a:lnTo>
+                <a:lnTo>
+                  <a:pt x="616" y="504"/>
+                </a:lnTo>
+                <a:lnTo>
+                  <a:pt x="621" y="505"/>
+                </a:lnTo>
+                <a:lnTo>
+                  <a:pt x="625" y="507"/>
+                </a:lnTo>
+                <a:lnTo>
+                  <a:pt x="627" y="512"/>
+                </a:lnTo>
+                <a:lnTo>
+                  <a:pt x="628" y="516"/>
+                </a:lnTo>
+                <a:lnTo>
+                  <a:pt x="627" y="521"/>
+                </a:lnTo>
+                <a:lnTo>
+                  <a:pt x="625" y="525"/>
+                </a:lnTo>
+                <a:lnTo>
+                  <a:pt x="621" y="527"/>
+                </a:lnTo>
+                <a:lnTo>
+                  <a:pt x="616" y="528"/>
+                </a:lnTo>
+                <a:close/>
+                <a:moveTo>
+                  <a:pt x="323" y="127"/>
+                </a:moveTo>
+                <a:lnTo>
+                  <a:pt x="171" y="279"/>
+                </a:lnTo>
+                <a:lnTo>
+                  <a:pt x="168" y="282"/>
+                </a:lnTo>
+                <a:lnTo>
+                  <a:pt x="164" y="282"/>
+                </a:lnTo>
+                <a:lnTo>
+                  <a:pt x="158" y="282"/>
+                </a:lnTo>
+                <a:lnTo>
+                  <a:pt x="155" y="279"/>
+                </a:lnTo>
+                <a:lnTo>
+                  <a:pt x="94" y="218"/>
+                </a:lnTo>
+                <a:lnTo>
+                  <a:pt x="92" y="214"/>
+                </a:lnTo>
+                <a:lnTo>
+                  <a:pt x="91" y="209"/>
+                </a:lnTo>
+                <a:lnTo>
+                  <a:pt x="92" y="205"/>
+                </a:lnTo>
+                <a:lnTo>
+                  <a:pt x="94" y="201"/>
+                </a:lnTo>
+                <a:lnTo>
+                  <a:pt x="98" y="198"/>
+                </a:lnTo>
+                <a:lnTo>
+                  <a:pt x="103" y="197"/>
+                </a:lnTo>
+                <a:lnTo>
+                  <a:pt x="107" y="198"/>
+                </a:lnTo>
+                <a:lnTo>
+                  <a:pt x="111" y="201"/>
+                </a:lnTo>
+                <a:lnTo>
+                  <a:pt x="164" y="253"/>
+                </a:lnTo>
+                <a:lnTo>
+                  <a:pt x="306" y="111"/>
+                </a:lnTo>
+                <a:lnTo>
+                  <a:pt x="309" y="109"/>
+                </a:lnTo>
+                <a:lnTo>
+                  <a:pt x="314" y="108"/>
+                </a:lnTo>
+                <a:lnTo>
+                  <a:pt x="318" y="109"/>
+                </a:lnTo>
+                <a:lnTo>
+                  <a:pt x="323" y="111"/>
+                </a:lnTo>
+                <a:lnTo>
+                  <a:pt x="325" y="114"/>
+                </a:lnTo>
+                <a:lnTo>
+                  <a:pt x="326" y="119"/>
+                </a:lnTo>
+                <a:lnTo>
+                  <a:pt x="325" y="124"/>
+                </a:lnTo>
+                <a:lnTo>
+                  <a:pt x="323" y="127"/>
+                </a:lnTo>
+                <a:close/>
+                <a:moveTo>
+                  <a:pt x="323" y="414"/>
+                </a:moveTo>
+                <a:lnTo>
+                  <a:pt x="171" y="565"/>
+                </a:lnTo>
+                <a:lnTo>
+                  <a:pt x="168" y="568"/>
+                </a:lnTo>
+                <a:lnTo>
+                  <a:pt x="164" y="569"/>
+                </a:lnTo>
+                <a:lnTo>
+                  <a:pt x="158" y="568"/>
+                </a:lnTo>
+                <a:lnTo>
+                  <a:pt x="155" y="565"/>
+                </a:lnTo>
+                <a:lnTo>
+                  <a:pt x="94" y="505"/>
+                </a:lnTo>
+                <a:lnTo>
+                  <a:pt x="92" y="502"/>
+                </a:lnTo>
+                <a:lnTo>
+                  <a:pt x="91" y="497"/>
+                </a:lnTo>
+                <a:lnTo>
+                  <a:pt x="92" y="493"/>
+                </a:lnTo>
+                <a:lnTo>
+                  <a:pt x="94" y="488"/>
+                </a:lnTo>
+                <a:lnTo>
+                  <a:pt x="98" y="486"/>
+                </a:lnTo>
+                <a:lnTo>
+                  <a:pt x="103" y="485"/>
+                </a:lnTo>
+                <a:lnTo>
+                  <a:pt x="107" y="486"/>
+                </a:lnTo>
+                <a:lnTo>
+                  <a:pt x="111" y="488"/>
+                </a:lnTo>
+                <a:lnTo>
+                  <a:pt x="164" y="540"/>
+                </a:lnTo>
+                <a:lnTo>
+                  <a:pt x="306" y="397"/>
+                </a:lnTo>
+                <a:lnTo>
+                  <a:pt x="309" y="395"/>
+                </a:lnTo>
+                <a:lnTo>
+                  <a:pt x="314" y="394"/>
+                </a:lnTo>
+                <a:lnTo>
+                  <a:pt x="318" y="395"/>
+                </a:lnTo>
+                <a:lnTo>
+                  <a:pt x="323" y="398"/>
+                </a:lnTo>
+                <a:lnTo>
+                  <a:pt x="325" y="401"/>
+                </a:lnTo>
+                <a:lnTo>
+                  <a:pt x="326" y="406"/>
+                </a:lnTo>
+                <a:lnTo>
+                  <a:pt x="325" y="410"/>
+                </a:lnTo>
+                <a:lnTo>
+                  <a:pt x="323" y="414"/>
+                </a:lnTo>
+                <a:close/>
+                <a:moveTo>
+                  <a:pt x="707" y="0"/>
+                </a:moveTo>
+                <a:lnTo>
+                  <a:pt x="12" y="0"/>
+                </a:lnTo>
+                <a:lnTo>
+                  <a:pt x="8" y="2"/>
+                </a:lnTo>
+                <a:lnTo>
+                  <a:pt x="3" y="5"/>
+                </a:lnTo>
+                <a:lnTo>
+                  <a:pt x="1" y="8"/>
+                </a:lnTo>
+                <a:lnTo>
+                  <a:pt x="0" y="13"/>
+                </a:lnTo>
+                <a:lnTo>
+                  <a:pt x="0" y="707"/>
+                </a:lnTo>
+                <a:lnTo>
+                  <a:pt x="1" y="713"/>
+                </a:lnTo>
+                <a:lnTo>
+                  <a:pt x="3" y="716"/>
+                </a:lnTo>
+                <a:lnTo>
+                  <a:pt x="8" y="719"/>
+                </a:lnTo>
+                <a:lnTo>
+                  <a:pt x="12" y="719"/>
+                </a:lnTo>
+                <a:lnTo>
+                  <a:pt x="707" y="719"/>
+                </a:lnTo>
+                <a:lnTo>
+                  <a:pt x="711" y="719"/>
+                </a:lnTo>
+                <a:lnTo>
+                  <a:pt x="716" y="716"/>
+                </a:lnTo>
+                <a:lnTo>
+                  <a:pt x="718" y="713"/>
+                </a:lnTo>
+                <a:lnTo>
+                  <a:pt x="719" y="707"/>
+                </a:lnTo>
+                <a:lnTo>
+                  <a:pt x="719" y="13"/>
+                </a:lnTo>
+                <a:lnTo>
+                  <a:pt x="718" y="8"/>
+                </a:lnTo>
+                <a:lnTo>
+                  <a:pt x="716" y="5"/>
+                </a:lnTo>
+                <a:lnTo>
+                  <a:pt x="711" y="2"/>
+                </a:lnTo>
+                <a:lnTo>
+                  <a:pt x="707" y="0"/>
+                </a:lnTo>
+                <a:close/>
+              </a:path>
+            </a:pathLst>
+          </a:custGeom>
+          <a:solidFill>
+            <a:schemeClr val="bg1"/>
+          </a:solidFill>
+          <a:ln>
+            <a:noFill/>
+          </a:ln>
+          <a:extLst/>
+        </p:spPr>
+        <p:txBody>
+          <a:bodyPr vert="horz" wrap="square" lIns="91440" tIns="45720" rIns="91440" bIns="45720" numCol="1" rtlCol="0" anchor="t" anchorCtr="0" compatLnSpc="1">
+            <a:prstTxWarp prst="textNoShape">
+              <a:avLst/>
+            </a:prstTxWarp>
+          </a:bodyPr>
+          <a:lstStyle/>
+          <a:p>
+            <a:pPr rtl="0"/>
+            <a:endParaRPr lang="fr-FR" dirty="0"/>
+          </a:p>
+        </p:txBody>
+      </p:sp>
     </p:spTree>
     <p:extLst>
       <p:ext uri="{BB962C8B-B14F-4D97-AF65-F5344CB8AC3E}">
@@ -26072,7 +28725,7 @@
                 <a16:creationId xmlns:a16="http://schemas.microsoft.com/office/drawing/2014/main" id="{D0986099-F5F2-4E8B-BE17-81194861A00C}"/>
               </a:ext>
               <a:ext uri="{C183D7F6-B498-43B3-948B-1728B52AA6E4}">
-                <adec:decorative xmlns:adec="http://schemas.microsoft.com/office/drawing/2017/decorative" xmlns="" val="1"/>
+                <adec:decorative xmlns="" xmlns:adec="http://schemas.microsoft.com/office/drawing/2017/decorative" val="1"/>
               </a:ext>
             </a:extLst>
           </p:cNvPr>
@@ -26191,7 +28844,7 @@
                 <a16:creationId xmlns:a16="http://schemas.microsoft.com/office/drawing/2014/main" id="{83E690F4-843A-47A5-8620-4FB01C0D8E68}"/>
               </a:ext>
               <a:ext uri="{C183D7F6-B498-43B3-948B-1728B52AA6E4}">
-                <adec:decorative xmlns:adec="http://schemas.microsoft.com/office/drawing/2017/decorative" xmlns="" val="1"/>
+                <adec:decorative xmlns="" xmlns:adec="http://schemas.microsoft.com/office/drawing/2017/decorative" val="1"/>
               </a:ext>
             </a:extLst>
           </p:cNvPr>
@@ -26852,7 +29505,7 @@
                 <a16:creationId xmlns:a16="http://schemas.microsoft.com/office/drawing/2014/main" id="{D0986099-F5F2-4E8B-BE17-81194861A00C}"/>
               </a:ext>
               <a:ext uri="{C183D7F6-B498-43B3-948B-1728B52AA6E4}">
-                <adec:decorative xmlns:adec="http://schemas.microsoft.com/office/drawing/2017/decorative" xmlns="" val="1"/>
+                <adec:decorative xmlns="" xmlns:adec="http://schemas.microsoft.com/office/drawing/2017/decorative" val="1"/>
               </a:ext>
             </a:extLst>
           </p:cNvPr>
@@ -26971,7 +29624,917 @@
                 <a16:creationId xmlns:a16="http://schemas.microsoft.com/office/drawing/2014/main" id="{83E690F4-843A-47A5-8620-4FB01C0D8E68}"/>
               </a:ext>
               <a:ext uri="{C183D7F6-B498-43B3-948B-1728B52AA6E4}">
-                <adec:decorative xmlns:adec="http://schemas.microsoft.com/office/drawing/2017/decorative" xmlns="" val="1"/>
+                <adec:decorative xmlns="" xmlns:adec="http://schemas.microsoft.com/office/drawing/2017/decorative" val="1"/>
+              </a:ext>
+            </a:extLst>
+          </p:cNvPr>
+          <p:cNvCxnSpPr>
+            <a:cxnSpLocks/>
+          </p:cNvCxnSpPr>
+          <p:nvPr/>
+        </p:nvCxnSpPr>
+        <p:spPr>
+          <a:xfrm>
+            <a:off x="0" y="522898"/>
+            <a:ext cx="4086225" cy="0"/>
+          </a:xfrm>
+          <a:prstGeom prst="line">
+            <a:avLst/>
+          </a:prstGeom>
+          <a:ln>
+            <a:solidFill>
+              <a:schemeClr val="accent3">
+                <a:lumMod val="50000"/>
+              </a:schemeClr>
+            </a:solidFill>
+            <a:tailEnd type="oval"/>
+          </a:ln>
+        </p:spPr>
+        <p:style>
+          <a:lnRef idx="1">
+            <a:schemeClr val="accent1"/>
+          </a:lnRef>
+          <a:fillRef idx="0">
+            <a:schemeClr val="accent1"/>
+          </a:fillRef>
+          <a:effectRef idx="0">
+            <a:schemeClr val="accent1"/>
+          </a:effectRef>
+          <a:fontRef idx="minor">
+            <a:schemeClr val="tx1"/>
+          </a:fontRef>
+        </p:style>
+      </p:cxnSp>
+      <p:sp>
+        <p:nvSpPr>
+          <p:cNvPr id="5" name="Rectangle 4"/>
+          <p:cNvSpPr/>
+          <p:nvPr/>
+        </p:nvSpPr>
+        <p:spPr>
+          <a:xfrm>
+            <a:off x="2457864" y="1276581"/>
+            <a:ext cx="7276287" cy="2123658"/>
+          </a:xfrm>
+          <a:prstGeom prst="rect">
+            <a:avLst/>
+          </a:prstGeom>
+        </p:spPr>
+        <p:txBody>
+          <a:bodyPr wrap="none">
+            <a:spAutoFit/>
+          </a:bodyPr>
+          <a:lstStyle/>
+          <a:p>
+            <a:pPr algn="ctr"/>
+            <a:r>
+              <a:rPr lang="fr-FR" sz="6600" b="1" dirty="0" smtClean="0">
+                <a:solidFill>
+                  <a:schemeClr val="tx1">
+                    <a:lumMod val="75000"/>
+                    <a:lumOff val="25000"/>
+                  </a:schemeClr>
+                </a:solidFill>
+                <a:latin typeface="Calibri" panose="020F0502020204030204" pitchFamily="34" charset="0"/>
+                <a:cs typeface="Calibri" panose="020F0502020204030204" pitchFamily="34" charset="0"/>
+              </a:rPr>
+              <a:t>Maquettes création </a:t>
+            </a:r>
+          </a:p>
+          <a:p>
+            <a:pPr algn="ctr"/>
+            <a:r>
+              <a:rPr lang="fr-FR" sz="6600" b="1" dirty="0">
+                <a:solidFill>
+                  <a:schemeClr val="tx1">
+                    <a:lumMod val="75000"/>
+                    <a:lumOff val="25000"/>
+                  </a:schemeClr>
+                </a:solidFill>
+                <a:latin typeface="Calibri" panose="020F0502020204030204" pitchFamily="34" charset="0"/>
+                <a:cs typeface="Calibri" panose="020F0502020204030204" pitchFamily="34" charset="0"/>
+              </a:rPr>
+              <a:t>d</a:t>
+            </a:r>
+            <a:r>
+              <a:rPr lang="fr-FR" sz="6600" b="1" dirty="0" smtClean="0">
+                <a:solidFill>
+                  <a:schemeClr val="tx1">
+                    <a:lumMod val="75000"/>
+                    <a:lumOff val="25000"/>
+                  </a:schemeClr>
+                </a:solidFill>
+                <a:latin typeface="Calibri" panose="020F0502020204030204" pitchFamily="34" charset="0"/>
+                <a:cs typeface="Calibri" panose="020F0502020204030204" pitchFamily="34" charset="0"/>
+              </a:rPr>
+              <a:t>e missions</a:t>
+            </a:r>
+            <a:endParaRPr lang="fr-FR" sz="4000" b="1" dirty="0" smtClean="0">
+              <a:solidFill>
+                <a:schemeClr val="tx1">
+                  <a:lumMod val="75000"/>
+                  <a:lumOff val="25000"/>
+                </a:schemeClr>
+              </a:solidFill>
+              <a:latin typeface="Calibri" panose="020F0502020204030204" pitchFamily="34" charset="0"/>
+              <a:cs typeface="Calibri" panose="020F0502020204030204" pitchFamily="34" charset="0"/>
+            </a:endParaRPr>
+          </a:p>
+        </p:txBody>
+      </p:sp>
+      <p:sp>
+        <p:nvSpPr>
+          <p:cNvPr id="2" name="Espace réservé du numéro de diapositive 1"/>
+          <p:cNvSpPr>
+            <a:spLocks noGrp="1"/>
+          </p:cNvSpPr>
+          <p:nvPr>
+            <p:ph type="sldNum" sz="quarter" idx="12"/>
+          </p:nvPr>
+        </p:nvSpPr>
+        <p:spPr/>
+        <p:txBody>
+          <a:bodyPr/>
+          <a:lstStyle/>
+          <a:p>
+            <a:pPr rtl="0"/>
+            <a:fld id="{06FEDF93-2BFD-41CA-ABC7-B039102F3792}" type="slidenum">
+              <a:rPr lang="fr-FR" b="1" noProof="0" smtClean="0">
+                <a:solidFill>
+                  <a:schemeClr val="tx1"/>
+                </a:solidFill>
+              </a:rPr>
+              <a:t>21</a:t>
+            </a:fld>
+            <a:endParaRPr lang="fr-FR" b="1" noProof="0" dirty="0">
+              <a:solidFill>
+                <a:schemeClr val="tx1"/>
+              </a:solidFill>
+            </a:endParaRPr>
+          </a:p>
+        </p:txBody>
+      </p:sp>
+      <p:pic>
+        <p:nvPicPr>
+          <p:cNvPr id="3" name="Image 2"/>
+          <p:cNvPicPr>
+            <a:picLocks noChangeAspect="1"/>
+          </p:cNvPicPr>
+          <p:nvPr/>
+        </p:nvPicPr>
+        <p:blipFill>
+          <a:blip r:embed="rId3">
+            <a:extLst>
+              <a:ext uri="{28A0092B-C50C-407E-A947-70E740481C1C}">
+                <a14:useLocalDpi xmlns:a14="http://schemas.microsoft.com/office/drawing/2010/main" val="0"/>
+              </a:ext>
+            </a:extLst>
+          </a:blip>
+          <a:stretch>
+            <a:fillRect/>
+          </a:stretch>
+        </p:blipFill>
+        <p:spPr>
+          <a:xfrm>
+            <a:off x="7465469" y="0"/>
+            <a:ext cx="2268682" cy="6858000"/>
+          </a:xfrm>
+          <a:prstGeom prst="rect">
+            <a:avLst/>
+          </a:prstGeom>
+        </p:spPr>
+      </p:pic>
+      <p:pic>
+        <p:nvPicPr>
+          <p:cNvPr id="4" name="Image 3"/>
+          <p:cNvPicPr>
+            <a:picLocks noChangeAspect="1"/>
+          </p:cNvPicPr>
+          <p:nvPr/>
+        </p:nvPicPr>
+        <p:blipFill>
+          <a:blip r:embed="rId4">
+            <a:extLst>
+              <a:ext uri="{28A0092B-C50C-407E-A947-70E740481C1C}">
+                <a14:useLocalDpi xmlns:a14="http://schemas.microsoft.com/office/drawing/2010/main" val="0"/>
+              </a:ext>
+            </a:extLst>
+          </a:blip>
+          <a:stretch>
+            <a:fillRect/>
+          </a:stretch>
+        </p:blipFill>
+        <p:spPr>
+          <a:xfrm>
+            <a:off x="2322382" y="0"/>
+            <a:ext cx="2216442" cy="6858000"/>
+          </a:xfrm>
+          <a:prstGeom prst="rect">
+            <a:avLst/>
+          </a:prstGeom>
+        </p:spPr>
+      </p:pic>
+    </p:spTree>
+    <p:extLst>
+      <p:ext uri="{BB962C8B-B14F-4D97-AF65-F5344CB8AC3E}">
+        <p14:creationId xmlns:p14="http://schemas.microsoft.com/office/powerpoint/2010/main" val="1381655636"/>
+      </p:ext>
+    </p:extLst>
+  </p:cSld>
+  <p:clrMapOvr>
+    <a:masterClrMapping/>
+  </p:clrMapOvr>
+  <p:timing>
+    <p:tnLst>
+      <p:par>
+        <p:cTn id="1" dur="indefinite" restart="never" nodeType="tmRoot">
+          <p:childTnLst>
+            <p:seq concurrent="1" nextAc="seek">
+              <p:cTn id="2" dur="indefinite" nodeType="mainSeq">
+                <p:childTnLst>
+                  <p:par>
+                    <p:cTn id="3" fill="hold">
+                      <p:stCondLst>
+                        <p:cond delay="indefinite"/>
+                      </p:stCondLst>
+                      <p:childTnLst>
+                        <p:par>
+                          <p:cTn id="4" fill="hold">
+                            <p:stCondLst>
+                              <p:cond delay="0"/>
+                            </p:stCondLst>
+                            <p:childTnLst>
+                              <p:par>
+                                <p:cTn id="5" presetID="2" presetClass="exit" presetSubtype="4" fill="hold" nodeType="clickEffect">
+                                  <p:stCondLst>
+                                    <p:cond delay="0"/>
+                                  </p:stCondLst>
+                                  <p:childTnLst>
+                                    <p:anim calcmode="lin" valueType="num">
+                                      <p:cBhvr additive="base">
+                                        <p:cTn id="6" dur="500"/>
+                                        <p:tgtEl>
+                                          <p:spTgt spid="8"/>
+                                        </p:tgtEl>
+                                        <p:attrNameLst>
+                                          <p:attrName>ppt_x</p:attrName>
+                                        </p:attrNameLst>
+                                      </p:cBhvr>
+                                      <p:tavLst>
+                                        <p:tav tm="0">
+                                          <p:val>
+                                            <p:strVal val="ppt_x"/>
+                                          </p:val>
+                                        </p:tav>
+                                        <p:tav tm="100000">
+                                          <p:val>
+                                            <p:strVal val="ppt_x"/>
+                                          </p:val>
+                                        </p:tav>
+                                      </p:tavLst>
+                                    </p:anim>
+                                    <p:anim calcmode="lin" valueType="num">
+                                      <p:cBhvr additive="base">
+                                        <p:cTn id="7" dur="500"/>
+                                        <p:tgtEl>
+                                          <p:spTgt spid="8"/>
+                                        </p:tgtEl>
+                                        <p:attrNameLst>
+                                          <p:attrName>ppt_y</p:attrName>
+                                        </p:attrNameLst>
+                                      </p:cBhvr>
+                                      <p:tavLst>
+                                        <p:tav tm="0">
+                                          <p:val>
+                                            <p:strVal val="ppt_y"/>
+                                          </p:val>
+                                        </p:tav>
+                                        <p:tav tm="100000">
+                                          <p:val>
+                                            <p:strVal val="1+ppt_h/2"/>
+                                          </p:val>
+                                        </p:tav>
+                                      </p:tavLst>
+                                    </p:anim>
+                                    <p:set>
+                                      <p:cBhvr>
+                                        <p:cTn id="8" dur="1" fill="hold">
+                                          <p:stCondLst>
+                                            <p:cond delay="499"/>
+                                          </p:stCondLst>
+                                        </p:cTn>
+                                        <p:tgtEl>
+                                          <p:spTgt spid="8"/>
+                                        </p:tgtEl>
+                                        <p:attrNameLst>
+                                          <p:attrName>style.visibility</p:attrName>
+                                        </p:attrNameLst>
+                                      </p:cBhvr>
+                                      <p:to>
+                                        <p:strVal val="hidden"/>
+                                      </p:to>
+                                    </p:set>
+                                  </p:childTnLst>
+                                </p:cTn>
+                              </p:par>
+                              <p:par>
+                                <p:cTn id="9" presetID="2" presetClass="exit" presetSubtype="4" fill="hold" grpId="0" nodeType="withEffect">
+                                  <p:stCondLst>
+                                    <p:cond delay="0"/>
+                                  </p:stCondLst>
+                                  <p:childTnLst>
+                                    <p:anim calcmode="lin" valueType="num">
+                                      <p:cBhvr additive="base">
+                                        <p:cTn id="10" dur="500"/>
+                                        <p:tgtEl>
+                                          <p:spTgt spid="11"/>
+                                        </p:tgtEl>
+                                        <p:attrNameLst>
+                                          <p:attrName>ppt_x</p:attrName>
+                                        </p:attrNameLst>
+                                      </p:cBhvr>
+                                      <p:tavLst>
+                                        <p:tav tm="0">
+                                          <p:val>
+                                            <p:strVal val="ppt_x"/>
+                                          </p:val>
+                                        </p:tav>
+                                        <p:tav tm="100000">
+                                          <p:val>
+                                            <p:strVal val="ppt_x"/>
+                                          </p:val>
+                                        </p:tav>
+                                      </p:tavLst>
+                                    </p:anim>
+                                    <p:anim calcmode="lin" valueType="num">
+                                      <p:cBhvr additive="base">
+                                        <p:cTn id="11" dur="500"/>
+                                        <p:tgtEl>
+                                          <p:spTgt spid="11"/>
+                                        </p:tgtEl>
+                                        <p:attrNameLst>
+                                          <p:attrName>ppt_y</p:attrName>
+                                        </p:attrNameLst>
+                                      </p:cBhvr>
+                                      <p:tavLst>
+                                        <p:tav tm="0">
+                                          <p:val>
+                                            <p:strVal val="ppt_y"/>
+                                          </p:val>
+                                        </p:tav>
+                                        <p:tav tm="100000">
+                                          <p:val>
+                                            <p:strVal val="1+ppt_h/2"/>
+                                          </p:val>
+                                        </p:tav>
+                                      </p:tavLst>
+                                    </p:anim>
+                                    <p:set>
+                                      <p:cBhvr>
+                                        <p:cTn id="12" dur="1" fill="hold">
+                                          <p:stCondLst>
+                                            <p:cond delay="499"/>
+                                          </p:stCondLst>
+                                        </p:cTn>
+                                        <p:tgtEl>
+                                          <p:spTgt spid="11"/>
+                                        </p:tgtEl>
+                                        <p:attrNameLst>
+                                          <p:attrName>style.visibility</p:attrName>
+                                        </p:attrNameLst>
+                                      </p:cBhvr>
+                                      <p:to>
+                                        <p:strVal val="hidden"/>
+                                      </p:to>
+                                    </p:set>
+                                  </p:childTnLst>
+                                </p:cTn>
+                              </p:par>
+                              <p:par>
+                                <p:cTn id="13" presetID="2" presetClass="exit" presetSubtype="4" fill="hold" nodeType="withEffect">
+                                  <p:stCondLst>
+                                    <p:cond delay="0"/>
+                                  </p:stCondLst>
+                                  <p:childTnLst>
+                                    <p:anim calcmode="lin" valueType="num">
+                                      <p:cBhvr additive="base">
+                                        <p:cTn id="14" dur="500"/>
+                                        <p:tgtEl>
+                                          <p:spTgt spid="14"/>
+                                        </p:tgtEl>
+                                        <p:attrNameLst>
+                                          <p:attrName>ppt_x</p:attrName>
+                                        </p:attrNameLst>
+                                      </p:cBhvr>
+                                      <p:tavLst>
+                                        <p:tav tm="0">
+                                          <p:val>
+                                            <p:strVal val="ppt_x"/>
+                                          </p:val>
+                                        </p:tav>
+                                        <p:tav tm="100000">
+                                          <p:val>
+                                            <p:strVal val="ppt_x"/>
+                                          </p:val>
+                                        </p:tav>
+                                      </p:tavLst>
+                                    </p:anim>
+                                    <p:anim calcmode="lin" valueType="num">
+                                      <p:cBhvr additive="base">
+                                        <p:cTn id="15" dur="500"/>
+                                        <p:tgtEl>
+                                          <p:spTgt spid="14"/>
+                                        </p:tgtEl>
+                                        <p:attrNameLst>
+                                          <p:attrName>ppt_y</p:attrName>
+                                        </p:attrNameLst>
+                                      </p:cBhvr>
+                                      <p:tavLst>
+                                        <p:tav tm="0">
+                                          <p:val>
+                                            <p:strVal val="ppt_y"/>
+                                          </p:val>
+                                        </p:tav>
+                                        <p:tav tm="100000">
+                                          <p:val>
+                                            <p:strVal val="1+ppt_h/2"/>
+                                          </p:val>
+                                        </p:tav>
+                                      </p:tavLst>
+                                    </p:anim>
+                                    <p:set>
+                                      <p:cBhvr>
+                                        <p:cTn id="16" dur="1" fill="hold">
+                                          <p:stCondLst>
+                                            <p:cond delay="499"/>
+                                          </p:stCondLst>
+                                        </p:cTn>
+                                        <p:tgtEl>
+                                          <p:spTgt spid="14"/>
+                                        </p:tgtEl>
+                                        <p:attrNameLst>
+                                          <p:attrName>style.visibility</p:attrName>
+                                        </p:attrNameLst>
+                                      </p:cBhvr>
+                                      <p:to>
+                                        <p:strVal val="hidden"/>
+                                      </p:to>
+                                    </p:set>
+                                  </p:childTnLst>
+                                </p:cTn>
+                              </p:par>
+                              <p:par>
+                                <p:cTn id="17" presetID="2" presetClass="exit" presetSubtype="4" fill="hold" grpId="0" nodeType="withEffect">
+                                  <p:stCondLst>
+                                    <p:cond delay="0"/>
+                                  </p:stCondLst>
+                                  <p:childTnLst>
+                                    <p:anim calcmode="lin" valueType="num">
+                                      <p:cBhvr additive="base">
+                                        <p:cTn id="18" dur="500"/>
+                                        <p:tgtEl>
+                                          <p:spTgt spid="5"/>
+                                        </p:tgtEl>
+                                        <p:attrNameLst>
+                                          <p:attrName>ppt_x</p:attrName>
+                                        </p:attrNameLst>
+                                      </p:cBhvr>
+                                      <p:tavLst>
+                                        <p:tav tm="0">
+                                          <p:val>
+                                            <p:strVal val="ppt_x"/>
+                                          </p:val>
+                                        </p:tav>
+                                        <p:tav tm="100000">
+                                          <p:val>
+                                            <p:strVal val="ppt_x"/>
+                                          </p:val>
+                                        </p:tav>
+                                      </p:tavLst>
+                                    </p:anim>
+                                    <p:anim calcmode="lin" valueType="num">
+                                      <p:cBhvr additive="base">
+                                        <p:cTn id="19" dur="500"/>
+                                        <p:tgtEl>
+                                          <p:spTgt spid="5"/>
+                                        </p:tgtEl>
+                                        <p:attrNameLst>
+                                          <p:attrName>ppt_y</p:attrName>
+                                        </p:attrNameLst>
+                                      </p:cBhvr>
+                                      <p:tavLst>
+                                        <p:tav tm="0">
+                                          <p:val>
+                                            <p:strVal val="ppt_y"/>
+                                          </p:val>
+                                        </p:tav>
+                                        <p:tav tm="100000">
+                                          <p:val>
+                                            <p:strVal val="1+ppt_h/2"/>
+                                          </p:val>
+                                        </p:tav>
+                                      </p:tavLst>
+                                    </p:anim>
+                                    <p:set>
+                                      <p:cBhvr>
+                                        <p:cTn id="20" dur="1" fill="hold">
+                                          <p:stCondLst>
+                                            <p:cond delay="499"/>
+                                          </p:stCondLst>
+                                        </p:cTn>
+                                        <p:tgtEl>
+                                          <p:spTgt spid="5"/>
+                                        </p:tgtEl>
+                                        <p:attrNameLst>
+                                          <p:attrName>style.visibility</p:attrName>
+                                        </p:attrNameLst>
+                                      </p:cBhvr>
+                                      <p:to>
+                                        <p:strVal val="hidden"/>
+                                      </p:to>
+                                    </p:set>
+                                  </p:childTnLst>
+                                </p:cTn>
+                              </p:par>
+                              <p:par>
+                                <p:cTn id="21" presetID="42" presetClass="entr" presetSubtype="0" fill="hold" nodeType="withEffect">
+                                  <p:stCondLst>
+                                    <p:cond delay="0"/>
+                                  </p:stCondLst>
+                                  <p:childTnLst>
+                                    <p:set>
+                                      <p:cBhvr>
+                                        <p:cTn id="22" dur="1" fill="hold">
+                                          <p:stCondLst>
+                                            <p:cond delay="0"/>
+                                          </p:stCondLst>
+                                        </p:cTn>
+                                        <p:tgtEl>
+                                          <p:spTgt spid="4"/>
+                                        </p:tgtEl>
+                                        <p:attrNameLst>
+                                          <p:attrName>style.visibility</p:attrName>
+                                        </p:attrNameLst>
+                                      </p:cBhvr>
+                                      <p:to>
+                                        <p:strVal val="visible"/>
+                                      </p:to>
+                                    </p:set>
+                                    <p:animEffect transition="in" filter="fade">
+                                      <p:cBhvr>
+                                        <p:cTn id="23" dur="1000"/>
+                                        <p:tgtEl>
+                                          <p:spTgt spid="4"/>
+                                        </p:tgtEl>
+                                      </p:cBhvr>
+                                    </p:animEffect>
+                                    <p:anim calcmode="lin" valueType="num">
+                                      <p:cBhvr>
+                                        <p:cTn id="24" dur="1000" fill="hold"/>
+                                        <p:tgtEl>
+                                          <p:spTgt spid="4"/>
+                                        </p:tgtEl>
+                                        <p:attrNameLst>
+                                          <p:attrName>ppt_x</p:attrName>
+                                        </p:attrNameLst>
+                                      </p:cBhvr>
+                                      <p:tavLst>
+                                        <p:tav tm="0">
+                                          <p:val>
+                                            <p:strVal val="#ppt_x"/>
+                                          </p:val>
+                                        </p:tav>
+                                        <p:tav tm="100000">
+                                          <p:val>
+                                            <p:strVal val="#ppt_x"/>
+                                          </p:val>
+                                        </p:tav>
+                                      </p:tavLst>
+                                    </p:anim>
+                                    <p:anim calcmode="lin" valueType="num">
+                                      <p:cBhvr>
+                                        <p:cTn id="25" dur="1000" fill="hold"/>
+                                        <p:tgtEl>
+                                          <p:spTgt spid="4"/>
+                                        </p:tgtEl>
+                                        <p:attrNameLst>
+                                          <p:attrName>ppt_y</p:attrName>
+                                        </p:attrNameLst>
+                                      </p:cBhvr>
+                                      <p:tavLst>
+                                        <p:tav tm="0">
+                                          <p:val>
+                                            <p:strVal val="#ppt_y+.1"/>
+                                          </p:val>
+                                        </p:tav>
+                                        <p:tav tm="100000">
+                                          <p:val>
+                                            <p:strVal val="#ppt_y"/>
+                                          </p:val>
+                                        </p:tav>
+                                      </p:tavLst>
+                                    </p:anim>
+                                  </p:childTnLst>
+                                </p:cTn>
+                              </p:par>
+                              <p:par>
+                                <p:cTn id="26" presetID="42" presetClass="entr" presetSubtype="0" fill="hold" nodeType="withEffect">
+                                  <p:stCondLst>
+                                    <p:cond delay="0"/>
+                                  </p:stCondLst>
+                                  <p:childTnLst>
+                                    <p:set>
+                                      <p:cBhvr>
+                                        <p:cTn id="27" dur="1" fill="hold">
+                                          <p:stCondLst>
+                                            <p:cond delay="0"/>
+                                          </p:stCondLst>
+                                        </p:cTn>
+                                        <p:tgtEl>
+                                          <p:spTgt spid="3"/>
+                                        </p:tgtEl>
+                                        <p:attrNameLst>
+                                          <p:attrName>style.visibility</p:attrName>
+                                        </p:attrNameLst>
+                                      </p:cBhvr>
+                                      <p:to>
+                                        <p:strVal val="visible"/>
+                                      </p:to>
+                                    </p:set>
+                                    <p:animEffect transition="in" filter="fade">
+                                      <p:cBhvr>
+                                        <p:cTn id="28" dur="1000"/>
+                                        <p:tgtEl>
+                                          <p:spTgt spid="3"/>
+                                        </p:tgtEl>
+                                      </p:cBhvr>
+                                    </p:animEffect>
+                                    <p:anim calcmode="lin" valueType="num">
+                                      <p:cBhvr>
+                                        <p:cTn id="29" dur="1000" fill="hold"/>
+                                        <p:tgtEl>
+                                          <p:spTgt spid="3"/>
+                                        </p:tgtEl>
+                                        <p:attrNameLst>
+                                          <p:attrName>ppt_x</p:attrName>
+                                        </p:attrNameLst>
+                                      </p:cBhvr>
+                                      <p:tavLst>
+                                        <p:tav tm="0">
+                                          <p:val>
+                                            <p:strVal val="#ppt_x"/>
+                                          </p:val>
+                                        </p:tav>
+                                        <p:tav tm="100000">
+                                          <p:val>
+                                            <p:strVal val="#ppt_x"/>
+                                          </p:val>
+                                        </p:tav>
+                                      </p:tavLst>
+                                    </p:anim>
+                                    <p:anim calcmode="lin" valueType="num">
+                                      <p:cBhvr>
+                                        <p:cTn id="30" dur="1000" fill="hold"/>
+                                        <p:tgtEl>
+                                          <p:spTgt spid="3"/>
+                                        </p:tgtEl>
+                                        <p:attrNameLst>
+                                          <p:attrName>ppt_y</p:attrName>
+                                        </p:attrNameLst>
+                                      </p:cBhvr>
+                                      <p:tavLst>
+                                        <p:tav tm="0">
+                                          <p:val>
+                                            <p:strVal val="#ppt_y+.1"/>
+                                          </p:val>
+                                        </p:tav>
+                                        <p:tav tm="100000">
+                                          <p:val>
+                                            <p:strVal val="#ppt_y"/>
+                                          </p:val>
+                                        </p:tav>
+                                      </p:tavLst>
+                                    </p:anim>
+                                  </p:childTnLst>
+                                </p:cTn>
+                              </p:par>
+                            </p:childTnLst>
+                          </p:cTn>
+                        </p:par>
+                      </p:childTnLst>
+                    </p:cTn>
+                  </p:par>
+                </p:childTnLst>
+              </p:cTn>
+              <p:prevCondLst>
+                <p:cond evt="onPrev" delay="0">
+                  <p:tgtEl>
+                    <p:sldTgt/>
+                  </p:tgtEl>
+                </p:cond>
+              </p:prevCondLst>
+              <p:nextCondLst>
+                <p:cond evt="onNext" delay="0">
+                  <p:tgtEl>
+                    <p:sldTgt/>
+                  </p:tgtEl>
+                </p:cond>
+              </p:nextCondLst>
+            </p:seq>
+          </p:childTnLst>
+        </p:cTn>
+      </p:par>
+    </p:tnLst>
+    <p:bldLst>
+      <p:bldP spid="11" grpId="0"/>
+      <p:bldP spid="5" grpId="0"/>
+    </p:bldLst>
+  </p:timing>
+</p:sld>
+</file>
+
+<file path=ppt/slides/slide22.xml><?xml version="1.0" encoding="utf-8"?>
+<p:sld xmlns:a="http://schemas.openxmlformats.org/drawingml/2006/main" xmlns:r="http://schemas.openxmlformats.org/officeDocument/2006/relationships" xmlns:p="http://schemas.openxmlformats.org/presentationml/2006/main">
+  <p:cSld>
+    <p:spTree>
+      <p:nvGrpSpPr>
+        <p:cNvPr id="1" name=""/>
+        <p:cNvGrpSpPr/>
+        <p:nvPr/>
+      </p:nvGrpSpPr>
+      <p:grpSpPr>
+        <a:xfrm>
+          <a:off x="0" y="0"/>
+          <a:ext cx="0" cy="0"/>
+          <a:chOff x="0" y="0"/>
+          <a:chExt cx="0" cy="0"/>
+        </a:xfrm>
+      </p:grpSpPr>
+      <p:sp>
+        <p:nvSpPr>
+          <p:cNvPr id="9" name="Titre 8" hidden="1">
+            <a:extLst>
+              <a:ext uri="{FF2B5EF4-FFF2-40B4-BE49-F238E27FC236}">
+                <a16:creationId xmlns:a16="http://schemas.microsoft.com/office/drawing/2014/main" id="{9FDB6406-0CDB-4213-A1B6-DE47D953FED3}"/>
+              </a:ext>
+            </a:extLst>
+          </p:cNvPr>
+          <p:cNvSpPr>
+            <a:spLocks noGrp="1"/>
+          </p:cNvSpPr>
+          <p:nvPr>
+            <p:ph type="title" idx="4294967295"/>
+          </p:nvPr>
+        </p:nvSpPr>
+        <p:spPr>
+          <a:xfrm>
+            <a:off x="0" y="365125"/>
+            <a:ext cx="10515600" cy="1325563"/>
+          </a:xfrm>
+        </p:spPr>
+        <p:txBody>
+          <a:bodyPr rtlCol="0"/>
+          <a:lstStyle/>
+          <a:p>
+            <a:r>
+              <a:rPr lang="fr-FR" dirty="0"/>
+              <a:t>Analyse du projet : diapositive </a:t>
+            </a:r>
+            <a:r>
+              <a:rPr lang="fr" dirty="0"/>
+              <a:t>3</a:t>
+            </a:r>
+          </a:p>
+        </p:txBody>
+      </p:sp>
+      <p:cxnSp>
+        <p:nvCxnSpPr>
+          <p:cNvPr id="8" name="Connecteur droit 7">
+            <a:extLst>
+              <a:ext uri="{FF2B5EF4-FFF2-40B4-BE49-F238E27FC236}">
+                <a16:creationId xmlns:a16="http://schemas.microsoft.com/office/drawing/2014/main" id="{D0986099-F5F2-4E8B-BE17-81194861A00C}"/>
+              </a:ext>
+              <a:ext uri="{C183D7F6-B498-43B3-948B-1728B52AA6E4}">
+                <adec:decorative xmlns="" xmlns:adec="http://schemas.microsoft.com/office/drawing/2017/decorative" val="1"/>
+              </a:ext>
+            </a:extLst>
+          </p:cNvPr>
+          <p:cNvCxnSpPr>
+            <a:cxnSpLocks/>
+          </p:cNvCxnSpPr>
+          <p:nvPr/>
+        </p:nvCxnSpPr>
+        <p:spPr>
+          <a:xfrm>
+            <a:off x="8105775" y="522898"/>
+            <a:ext cx="4086225" cy="0"/>
+          </a:xfrm>
+          <a:prstGeom prst="line">
+            <a:avLst/>
+          </a:prstGeom>
+          <a:ln>
+            <a:solidFill>
+              <a:schemeClr val="accent3">
+                <a:lumMod val="50000"/>
+              </a:schemeClr>
+            </a:solidFill>
+            <a:headEnd type="oval"/>
+          </a:ln>
+        </p:spPr>
+        <p:style>
+          <a:lnRef idx="1">
+            <a:schemeClr val="accent1"/>
+          </a:lnRef>
+          <a:fillRef idx="0">
+            <a:schemeClr val="accent1"/>
+          </a:fillRef>
+          <a:effectRef idx="0">
+            <a:schemeClr val="accent1"/>
+          </a:effectRef>
+          <a:fontRef idx="minor">
+            <a:schemeClr val="tx1"/>
+          </a:fontRef>
+        </p:style>
+      </p:cxnSp>
+      <p:sp>
+        <p:nvSpPr>
+          <p:cNvPr id="11" name="Titre 1">
+            <a:extLst>
+              <a:ext uri="{FF2B5EF4-FFF2-40B4-BE49-F238E27FC236}">
+                <a16:creationId xmlns:a16="http://schemas.microsoft.com/office/drawing/2014/main" id="{4E3F5479-058B-4FA8-92E9-18CAB8CDC5C5}"/>
+              </a:ext>
+            </a:extLst>
+          </p:cNvPr>
+          <p:cNvSpPr txBox="1">
+            <a:spLocks/>
+          </p:cNvSpPr>
+          <p:nvPr/>
+        </p:nvSpPr>
+        <p:spPr>
+          <a:xfrm>
+            <a:off x="228600" y="190500"/>
+            <a:ext cx="11734800" cy="387798"/>
+          </a:xfrm>
+          <a:prstGeom prst="rect">
+            <a:avLst/>
+          </a:prstGeom>
+        </p:spPr>
+        <p:txBody>
+          <a:bodyPr vert="horz" wrap="square" lIns="0" tIns="0" rIns="0" bIns="0" rtlCol="0" anchor="t">
+            <a:spAutoFit/>
+          </a:bodyPr>
+          <a:lstStyle>
+            <a:lvl1pPr algn="l" defTabSz="914400" rtl="0" eaLnBrk="1" latinLnBrk="0" hangingPunct="1">
+              <a:lnSpc>
+                <a:spcPct val="90000"/>
+              </a:lnSpc>
+              <a:spcBef>
+                <a:spcPct val="0"/>
+              </a:spcBef>
+              <a:buNone/>
+              <a:defRPr sz="4400" kern="1200">
+                <a:solidFill>
+                  <a:schemeClr val="tx1"/>
+                </a:solidFill>
+                <a:latin typeface="+mj-lt"/>
+                <a:ea typeface="+mj-ea"/>
+                <a:cs typeface="+mj-cs"/>
+              </a:defRPr>
+            </a:lvl1pPr>
+          </a:lstStyle>
+          <a:p>
+            <a:pPr algn="ctr"/>
+            <a:r>
+              <a:rPr lang="fr-FR" sz="2800" b="1" dirty="0" smtClean="0">
+                <a:solidFill>
+                  <a:schemeClr val="tx1">
+                    <a:lumMod val="75000"/>
+                    <a:lumOff val="25000"/>
+                  </a:schemeClr>
+                </a:solidFill>
+              </a:rPr>
+              <a:t>Annexes</a:t>
+            </a:r>
+            <a:endParaRPr lang="fr-FR" sz="2800" dirty="0">
+              <a:solidFill>
+                <a:schemeClr val="tx1">
+                  <a:lumMod val="75000"/>
+                  <a:lumOff val="25000"/>
+                </a:schemeClr>
+              </a:solidFill>
+            </a:endParaRPr>
+          </a:p>
+        </p:txBody>
+      </p:sp>
+      <p:cxnSp>
+        <p:nvCxnSpPr>
+          <p:cNvPr id="14" name="Connecteur droit 13">
+            <a:extLst>
+              <a:ext uri="{FF2B5EF4-FFF2-40B4-BE49-F238E27FC236}">
+                <a16:creationId xmlns:a16="http://schemas.microsoft.com/office/drawing/2014/main" id="{83E690F4-843A-47A5-8620-4FB01C0D8E68}"/>
+              </a:ext>
+              <a:ext uri="{C183D7F6-B498-43B3-948B-1728B52AA6E4}">
+                <adec:decorative xmlns="" xmlns:adec="http://schemas.microsoft.com/office/drawing/2017/decorative" val="1"/>
               </a:ext>
             </a:extLst>
           </p:cNvPr>
@@ -27088,7 +30651,7 @@
                   <a:schemeClr val="tx1"/>
                 </a:solidFill>
               </a:rPr>
-              <a:t>21</a:t>
+              <a:t>22</a:t>
             </a:fld>
             <a:endParaRPr lang="fr-FR" b="1" noProof="0" dirty="0">
               <a:solidFill>
@@ -27486,7 +31049,7 @@
 </p:sld>
 </file>
 
-<file path=ppt/slides/slide22.xml><?xml version="1.0" encoding="utf-8"?>
+<file path=ppt/slides/slide23.xml><?xml version="1.0" encoding="utf-8"?>
 <p:sld xmlns:a="http://schemas.openxmlformats.org/drawingml/2006/main" xmlns:r="http://schemas.openxmlformats.org/officeDocument/2006/relationships" xmlns:p="http://schemas.openxmlformats.org/presentationml/2006/main">
   <p:cSld>
     <p:spTree>
@@ -27548,7 +31111,7 @@
                 <a16:creationId xmlns:a16="http://schemas.microsoft.com/office/drawing/2014/main" id="{D0986099-F5F2-4E8B-BE17-81194861A00C}"/>
               </a:ext>
               <a:ext uri="{C183D7F6-B498-43B3-948B-1728B52AA6E4}">
-                <adec:decorative xmlns:adec="http://schemas.microsoft.com/office/drawing/2017/decorative" xmlns="" val="1"/>
+                <adec:decorative xmlns="" xmlns:adec="http://schemas.microsoft.com/office/drawing/2017/decorative" val="1"/>
               </a:ext>
             </a:extLst>
           </p:cNvPr>
@@ -27667,7 +31230,7 @@
                 <a16:creationId xmlns:a16="http://schemas.microsoft.com/office/drawing/2014/main" id="{83E690F4-843A-47A5-8620-4FB01C0D8E68}"/>
               </a:ext>
               <a:ext uri="{C183D7F6-B498-43B3-948B-1728B52AA6E4}">
-                <adec:decorative xmlns:adec="http://schemas.microsoft.com/office/drawing/2017/decorative" xmlns="" val="1"/>
+                <adec:decorative xmlns="" xmlns:adec="http://schemas.microsoft.com/office/drawing/2017/decorative" val="1"/>
               </a:ext>
             </a:extLst>
           </p:cNvPr>
@@ -27780,7 +31343,7 @@
             <a:pPr rtl="0"/>
             <a:fld id="{06FEDF93-2BFD-41CA-ABC7-B039102F3792}" type="slidenum">
               <a:rPr lang="fr-FR" noProof="0" smtClean="0"/>
-              <a:t>22</a:t>
+              <a:t>23</a:t>
             </a:fld>
             <a:endParaRPr lang="fr-FR" noProof="0" dirty="0"/>
           </a:p>
@@ -28174,7 +31737,7 @@
 </p:sld>
 </file>
 
-<file path=ppt/slides/slide23.xml><?xml version="1.0" encoding="utf-8"?>
+<file path=ppt/slides/slide24.xml><?xml version="1.0" encoding="utf-8"?>
 <p:sld xmlns:a="http://schemas.openxmlformats.org/drawingml/2006/main" xmlns:r="http://schemas.openxmlformats.org/officeDocument/2006/relationships" xmlns:p="http://schemas.openxmlformats.org/presentationml/2006/main">
   <p:cSld>
     <p:spTree>
@@ -28236,7 +31799,7 @@
                 <a16:creationId xmlns:a16="http://schemas.microsoft.com/office/drawing/2014/main" id="{D0986099-F5F2-4E8B-BE17-81194861A00C}"/>
               </a:ext>
               <a:ext uri="{C183D7F6-B498-43B3-948B-1728B52AA6E4}">
-                <adec:decorative xmlns:adec="http://schemas.microsoft.com/office/drawing/2017/decorative" xmlns="" val="1"/>
+                <adec:decorative xmlns="" xmlns:adec="http://schemas.microsoft.com/office/drawing/2017/decorative" val="1"/>
               </a:ext>
             </a:extLst>
           </p:cNvPr>
@@ -28355,7 +31918,7 @@
                 <a16:creationId xmlns:a16="http://schemas.microsoft.com/office/drawing/2014/main" id="{83E690F4-843A-47A5-8620-4FB01C0D8E68}"/>
               </a:ext>
               <a:ext uri="{C183D7F6-B498-43B3-948B-1728B52AA6E4}">
-                <adec:decorative xmlns:adec="http://schemas.microsoft.com/office/drawing/2017/decorative" xmlns="" val="1"/>
+                <adec:decorative xmlns="" xmlns:adec="http://schemas.microsoft.com/office/drawing/2017/decorative" val="1"/>
               </a:ext>
             </a:extLst>
           </p:cNvPr>
@@ -28462,7 +32025,7 @@
             <a:pPr rtl="0"/>
             <a:fld id="{06FEDF93-2BFD-41CA-ABC7-B039102F3792}" type="slidenum">
               <a:rPr lang="fr-FR" noProof="0" smtClean="0"/>
-              <a:t>23</a:t>
+              <a:t>24</a:t>
             </a:fld>
             <a:endParaRPr lang="fr-FR" noProof="0" dirty="0"/>
           </a:p>
@@ -29439,7 +33002,7 @@
         </p:nvGraphicFramePr>
         <p:xfrm>
           <a:off x="6406073" y="883623"/>
-          <a:ext cx="5806170" cy="5990706"/>
+          <a:ext cx="5806170" cy="6116052"/>
         </p:xfrm>
         <a:graphic>
           <a:graphicData uri="http://schemas.openxmlformats.org/drawingml/2006/table">
@@ -31184,7 +34747,7 @@
                 <a16:creationId xmlns:a16="http://schemas.microsoft.com/office/drawing/2014/main" id="{D0986099-F5F2-4E8B-BE17-81194861A00C}"/>
               </a:ext>
               <a:ext uri="{C183D7F6-B498-43B3-948B-1728B52AA6E4}">
-                <adec:decorative xmlns:adec="http://schemas.microsoft.com/office/drawing/2017/decorative" xmlns="" val="1"/>
+                <adec:decorative xmlns="" xmlns:adec="http://schemas.microsoft.com/office/drawing/2017/decorative" val="1"/>
               </a:ext>
             </a:extLst>
           </p:cNvPr>
@@ -31303,7 +34866,7 @@
                 <a16:creationId xmlns:a16="http://schemas.microsoft.com/office/drawing/2014/main" id="{83E690F4-843A-47A5-8620-4FB01C0D8E68}"/>
               </a:ext>
               <a:ext uri="{C183D7F6-B498-43B3-948B-1728B52AA6E4}">
-                <adec:decorative xmlns:adec="http://schemas.microsoft.com/office/drawing/2017/decorative" xmlns="" val="1"/>
+                <adec:decorative xmlns="" xmlns:adec="http://schemas.microsoft.com/office/drawing/2017/decorative" val="1"/>
               </a:ext>
             </a:extLst>
           </p:cNvPr>
@@ -31352,7 +34915,7 @@
                 <a16:creationId xmlns:a16="http://schemas.microsoft.com/office/drawing/2014/main" id="{5B804E9F-B6B5-41F9-9B63-9AF435FDC2B7}"/>
               </a:ext>
               <a:ext uri="{C183D7F6-B498-43B3-948B-1728B52AA6E4}">
-                <adec:decorative xmlns:adec="http://schemas.microsoft.com/office/drawing/2017/decorative" xmlns="" val="1"/>
+                <adec:decorative xmlns="" xmlns:adec="http://schemas.microsoft.com/office/drawing/2017/decorative" val="1"/>
               </a:ext>
             </a:extLst>
           </p:cNvPr>
@@ -31505,27 +35068,7 @@
                 <a:latin typeface="Calibri" panose="020F0502020204030204" pitchFamily="34" charset="0"/>
                 <a:cs typeface="Calibri" panose="020F0502020204030204" pitchFamily="34" charset="0"/>
               </a:rPr>
-              <a:t>avec des travailleurs </a:t>
-            </a:r>
-            <a:r>
-              <a:rPr lang="fr-FR" sz="2400" dirty="0" smtClean="0">
-                <a:solidFill>
-                  <a:schemeClr val="bg1"/>
-                </a:solidFill>
-                <a:latin typeface="Calibri" panose="020F0502020204030204" pitchFamily="34" charset="0"/>
-                <a:cs typeface="Calibri" panose="020F0502020204030204" pitchFamily="34" charset="0"/>
-              </a:rPr>
-              <a:t>disponible </a:t>
-            </a:r>
-            <a:r>
-              <a:rPr lang="fr-FR" sz="2400" dirty="0" smtClean="0">
-                <a:solidFill>
-                  <a:schemeClr val="bg1"/>
-                </a:solidFill>
-                <a:latin typeface="Calibri" panose="020F0502020204030204" pitchFamily="34" charset="0"/>
-                <a:cs typeface="Calibri" panose="020F0502020204030204" pitchFamily="34" charset="0"/>
-              </a:rPr>
-              <a:t>pour des missions ponctuelles</a:t>
+              <a:t>avec des travailleurs disponible pour des missions ponctuelles</a:t>
             </a:r>
             <a:endParaRPr lang="fr-FR" sz="2400" dirty="0">
               <a:solidFill>
@@ -31584,7 +35127,7 @@
                 <a16:creationId xmlns:a16="http://schemas.microsoft.com/office/drawing/2014/main" id="{0092C447-C8E1-4B12-B012-E6D21CBB1FBE}"/>
               </a:ext>
               <a:ext uri="{C183D7F6-B498-43B3-948B-1728B52AA6E4}">
-                <adec:decorative xmlns:adec="http://schemas.microsoft.com/office/drawing/2017/decorative" xmlns="" val="1"/>
+                <adec:decorative xmlns="" xmlns:adec="http://schemas.microsoft.com/office/drawing/2017/decorative" val="1"/>
               </a:ext>
             </a:extLst>
           </p:cNvPr>
@@ -31738,7 +35281,7 @@
                 <a16:creationId xmlns:a16="http://schemas.microsoft.com/office/drawing/2014/main" id="{0092C447-C8E1-4B12-B012-E6D21CBB1FBE}"/>
               </a:ext>
               <a:ext uri="{C183D7F6-B498-43B3-948B-1728B52AA6E4}">
-                <adec:decorative xmlns:adec="http://schemas.microsoft.com/office/drawing/2017/decorative" xmlns="" val="1"/>
+                <adec:decorative xmlns="" xmlns:adec="http://schemas.microsoft.com/office/drawing/2017/decorative" val="1"/>
               </a:ext>
             </a:extLst>
           </p:cNvPr>
@@ -32309,7 +35852,7 @@
                 <a16:creationId xmlns:a16="http://schemas.microsoft.com/office/drawing/2014/main" id="{D0986099-F5F2-4E8B-BE17-81194861A00C}"/>
               </a:ext>
               <a:ext uri="{C183D7F6-B498-43B3-948B-1728B52AA6E4}">
-                <adec:decorative xmlns:adec="http://schemas.microsoft.com/office/drawing/2017/decorative" xmlns="" val="1"/>
+                <adec:decorative xmlns="" xmlns:adec="http://schemas.microsoft.com/office/drawing/2017/decorative" val="1"/>
               </a:ext>
             </a:extLst>
           </p:cNvPr>
@@ -32428,7 +35971,7 @@
                 <a16:creationId xmlns:a16="http://schemas.microsoft.com/office/drawing/2014/main" id="{83E690F4-843A-47A5-8620-4FB01C0D8E68}"/>
               </a:ext>
               <a:ext uri="{C183D7F6-B498-43B3-948B-1728B52AA6E4}">
-                <adec:decorative xmlns:adec="http://schemas.microsoft.com/office/drawing/2017/decorative" xmlns="" val="1"/>
+                <adec:decorative xmlns="" xmlns:adec="http://schemas.microsoft.com/office/drawing/2017/decorative" val="1"/>
               </a:ext>
             </a:extLst>
           </p:cNvPr>
@@ -32477,7 +36020,7 @@
                 <a16:creationId xmlns:a16="http://schemas.microsoft.com/office/drawing/2014/main" id="{5B804E9F-B6B5-41F9-9B63-9AF435FDC2B7}"/>
               </a:ext>
               <a:ext uri="{C183D7F6-B498-43B3-948B-1728B52AA6E4}">
-                <adec:decorative xmlns:adec="http://schemas.microsoft.com/office/drawing/2017/decorative" xmlns="" val="1"/>
+                <adec:decorative xmlns="" xmlns:adec="http://schemas.microsoft.com/office/drawing/2017/decorative" val="1"/>
               </a:ext>
             </a:extLst>
           </p:cNvPr>
@@ -32846,7 +36389,7 @@
                 <a16:creationId xmlns:a16="http://schemas.microsoft.com/office/drawing/2014/main" id="{D0986099-F5F2-4E8B-BE17-81194861A00C}"/>
               </a:ext>
               <a:ext uri="{C183D7F6-B498-43B3-948B-1728B52AA6E4}">
-                <adec:decorative xmlns:adec="http://schemas.microsoft.com/office/drawing/2017/decorative" xmlns="" val="1"/>
+                <adec:decorative xmlns="" xmlns:adec="http://schemas.microsoft.com/office/drawing/2017/decorative" val="1"/>
               </a:ext>
             </a:extLst>
           </p:cNvPr>
@@ -32965,7 +36508,7 @@
                 <a16:creationId xmlns:a16="http://schemas.microsoft.com/office/drawing/2014/main" id="{83E690F4-843A-47A5-8620-4FB01C0D8E68}"/>
               </a:ext>
               <a:ext uri="{C183D7F6-B498-43B3-948B-1728B52AA6E4}">
-                <adec:decorative xmlns:adec="http://schemas.microsoft.com/office/drawing/2017/decorative" xmlns="" val="1"/>
+                <adec:decorative xmlns="" xmlns:adec="http://schemas.microsoft.com/office/drawing/2017/decorative" val="1"/>
               </a:ext>
             </a:extLst>
           </p:cNvPr>
@@ -33358,7 +36901,7 @@
                 <a16:creationId xmlns:a16="http://schemas.microsoft.com/office/drawing/2014/main" id="{D0986099-F5F2-4E8B-BE17-81194861A00C}"/>
               </a:ext>
               <a:ext uri="{C183D7F6-B498-43B3-948B-1728B52AA6E4}">
-                <adec:decorative xmlns:adec="http://schemas.microsoft.com/office/drawing/2017/decorative" xmlns="" val="1"/>
+                <adec:decorative xmlns="" xmlns:adec="http://schemas.microsoft.com/office/drawing/2017/decorative" val="1"/>
               </a:ext>
             </a:extLst>
           </p:cNvPr>
@@ -33477,7 +37020,7 @@
                 <a16:creationId xmlns:a16="http://schemas.microsoft.com/office/drawing/2014/main" id="{83E690F4-843A-47A5-8620-4FB01C0D8E68}"/>
               </a:ext>
               <a:ext uri="{C183D7F6-B498-43B3-948B-1728B52AA6E4}">
-                <adec:decorative xmlns:adec="http://schemas.microsoft.com/office/drawing/2017/decorative" xmlns="" val="1"/>
+                <adec:decorative xmlns="" xmlns:adec="http://schemas.microsoft.com/office/drawing/2017/decorative" val="1"/>
               </a:ext>
             </a:extLst>
           </p:cNvPr>
@@ -33574,7 +37117,7 @@
                 <a16:creationId xmlns:a16="http://schemas.microsoft.com/office/drawing/2014/main" id="{5B804E9F-B6B5-41F9-9B63-9AF435FDC2B7}"/>
               </a:ext>
               <a:ext uri="{C183D7F6-B498-43B3-948B-1728B52AA6E4}">
-                <adec:decorative xmlns:adec="http://schemas.microsoft.com/office/drawing/2017/decorative" xmlns="" val="1"/>
+                <adec:decorative xmlns="" xmlns:adec="http://schemas.microsoft.com/office/drawing/2017/decorative" val="1"/>
               </a:ext>
             </a:extLst>
           </p:cNvPr>
@@ -33807,7 +37350,7 @@
                 <a16:creationId xmlns:a16="http://schemas.microsoft.com/office/drawing/2014/main" id="{5B804E9F-B6B5-41F9-9B63-9AF435FDC2B7}"/>
               </a:ext>
               <a:ext uri="{C183D7F6-B498-43B3-948B-1728B52AA6E4}">
-                <adec:decorative xmlns:adec="http://schemas.microsoft.com/office/drawing/2017/decorative" xmlns="" val="1"/>
+                <adec:decorative xmlns="" xmlns:adec="http://schemas.microsoft.com/office/drawing/2017/decorative" val="1"/>
               </a:ext>
             </a:extLst>
           </p:cNvPr>
@@ -34036,7 +37579,7 @@
                 <a16:creationId xmlns:a16="http://schemas.microsoft.com/office/drawing/2014/main" id="{5B804E9F-B6B5-41F9-9B63-9AF435FDC2B7}"/>
               </a:ext>
               <a:ext uri="{C183D7F6-B498-43B3-948B-1728B52AA6E4}">
-                <adec:decorative xmlns:adec="http://schemas.microsoft.com/office/drawing/2017/decorative" xmlns="" val="1"/>
+                <adec:decorative xmlns="" xmlns:adec="http://schemas.microsoft.com/office/drawing/2017/decorative" val="1"/>
               </a:ext>
             </a:extLst>
           </p:cNvPr>
@@ -34261,7 +37804,7 @@
                 <a16:creationId xmlns:a16="http://schemas.microsoft.com/office/drawing/2014/main" id="{5B804E9F-B6B5-41F9-9B63-9AF435FDC2B7}"/>
               </a:ext>
               <a:ext uri="{C183D7F6-B498-43B3-948B-1728B52AA6E4}">
-                <adec:decorative xmlns:adec="http://schemas.microsoft.com/office/drawing/2017/decorative" xmlns="" val="1"/>
+                <adec:decorative xmlns="" xmlns:adec="http://schemas.microsoft.com/office/drawing/2017/decorative" val="1"/>
               </a:ext>
             </a:extLst>
           </p:cNvPr>
@@ -34461,7 +38004,7 @@
                 <a16:creationId xmlns:a16="http://schemas.microsoft.com/office/drawing/2014/main" id="{5B804E9F-B6B5-41F9-9B63-9AF435FDC2B7}"/>
               </a:ext>
               <a:ext uri="{C183D7F6-B498-43B3-948B-1728B52AA6E4}">
-                <adec:decorative xmlns:adec="http://schemas.microsoft.com/office/drawing/2017/decorative" xmlns="" val="1"/>
+                <adec:decorative xmlns="" xmlns:adec="http://schemas.microsoft.com/office/drawing/2017/decorative" val="1"/>
               </a:ext>
             </a:extLst>
           </p:cNvPr>
@@ -35277,7 +38820,7 @@
                 <a16:creationId xmlns:a16="http://schemas.microsoft.com/office/drawing/2014/main" id="{D0986099-F5F2-4E8B-BE17-81194861A00C}"/>
               </a:ext>
               <a:ext uri="{C183D7F6-B498-43B3-948B-1728B52AA6E4}">
-                <adec:decorative xmlns:adec="http://schemas.microsoft.com/office/drawing/2017/decorative" xmlns="" val="1"/>
+                <adec:decorative xmlns="" xmlns:adec="http://schemas.microsoft.com/office/drawing/2017/decorative" val="1"/>
               </a:ext>
             </a:extLst>
           </p:cNvPr>
@@ -35396,7 +38939,7 @@
                 <a16:creationId xmlns:a16="http://schemas.microsoft.com/office/drawing/2014/main" id="{83E690F4-843A-47A5-8620-4FB01C0D8E68}"/>
               </a:ext>
               <a:ext uri="{C183D7F6-B498-43B3-948B-1728B52AA6E4}">
-                <adec:decorative xmlns:adec="http://schemas.microsoft.com/office/drawing/2017/decorative" xmlns="" val="1"/>
+                <adec:decorative xmlns="" xmlns:adec="http://schemas.microsoft.com/office/drawing/2017/decorative" val="1"/>
               </a:ext>
             </a:extLst>
           </p:cNvPr>
@@ -35815,7 +39358,7 @@
                 <a16:creationId xmlns:a16="http://schemas.microsoft.com/office/drawing/2014/main" id="{D0986099-F5F2-4E8B-BE17-81194861A00C}"/>
               </a:ext>
               <a:ext uri="{C183D7F6-B498-43B3-948B-1728B52AA6E4}">
-                <adec:decorative xmlns:adec="http://schemas.microsoft.com/office/drawing/2017/decorative" xmlns="" val="1"/>
+                <adec:decorative xmlns="" xmlns:adec="http://schemas.microsoft.com/office/drawing/2017/decorative" val="1"/>
               </a:ext>
             </a:extLst>
           </p:cNvPr>
@@ -35934,7 +39477,7 @@
                 <a16:creationId xmlns:a16="http://schemas.microsoft.com/office/drawing/2014/main" id="{83E690F4-843A-47A5-8620-4FB01C0D8E68}"/>
               </a:ext>
               <a:ext uri="{C183D7F6-B498-43B3-948B-1728B52AA6E4}">
-                <adec:decorative xmlns:adec="http://schemas.microsoft.com/office/drawing/2017/decorative" xmlns="" val="1"/>
+                <adec:decorative xmlns="" xmlns:adec="http://schemas.microsoft.com/office/drawing/2017/decorative" val="1"/>
               </a:ext>
             </a:extLst>
           </p:cNvPr>
@@ -36269,7 +39812,7 @@
                 <a16:creationId xmlns:a16="http://schemas.microsoft.com/office/drawing/2014/main" id="{D0986099-F5F2-4E8B-BE17-81194861A00C}"/>
               </a:ext>
               <a:ext uri="{C183D7F6-B498-43B3-948B-1728B52AA6E4}">
-                <adec:decorative xmlns:adec="http://schemas.microsoft.com/office/drawing/2017/decorative" xmlns="" val="1"/>
+                <adec:decorative xmlns="" xmlns:adec="http://schemas.microsoft.com/office/drawing/2017/decorative" val="1"/>
               </a:ext>
             </a:extLst>
           </p:cNvPr>
@@ -36388,7 +39931,7 @@
                 <a16:creationId xmlns:a16="http://schemas.microsoft.com/office/drawing/2014/main" id="{83E690F4-843A-47A5-8620-4FB01C0D8E68}"/>
               </a:ext>
               <a:ext uri="{C183D7F6-B498-43B3-948B-1728B52AA6E4}">
-                <adec:decorative xmlns:adec="http://schemas.microsoft.com/office/drawing/2017/decorative" xmlns="" val="1"/>
+                <adec:decorative xmlns="" xmlns:adec="http://schemas.microsoft.com/office/drawing/2017/decorative" val="1"/>
               </a:ext>
             </a:extLst>
           </p:cNvPr>
